--- a/Farmers Insurance Case Study/Farmer’s Insurance Presentation.pptx
+++ b/Farmers Insurance Case Study/Farmer’s Insurance Presentation.pptx
@@ -6,10 +6,12 @@
   </p:sldMasterIdLst>
   <p:sldIdLst>
     <p:sldId id="256" r:id="rId2"/>
-    <p:sldId id="258" r:id="rId3"/>
-    <p:sldId id="259" r:id="rId4"/>
-    <p:sldId id="257" r:id="rId5"/>
-    <p:sldId id="260" r:id="rId6"/>
+    <p:sldId id="261" r:id="rId3"/>
+    <p:sldId id="264" r:id="rId4"/>
+    <p:sldId id="258" r:id="rId5"/>
+    <p:sldId id="259" r:id="rId6"/>
+    <p:sldId id="263" r:id="rId7"/>
+    <p:sldId id="260" r:id="rId8"/>
   </p:sldIdLst>
   <p:sldSz cx="12192000" cy="6858000"/>
   <p:notesSz cx="6858000" cy="9144000"/>
@@ -116,23 +118,31 @@
 </p:presentation>
 </file>
 
+<file path=ppt/revisionInfo.xml><?xml version="1.0" encoding="utf-8"?>
+<p1510:revInfo xmlns:a="http://schemas.openxmlformats.org/drawingml/2006/main" xmlns:r="http://schemas.openxmlformats.org/officeDocument/2006/relationships" xmlns:p1510="http://schemas.microsoft.com/office/powerpoint/2015/10/main">
+  <p1510:revLst>
+    <p1510:client id="{779ADDDC-4A4A-4917-BBD4-2490D278F29C}" v="29" dt="2020-11-19T18:16:15.827"/>
+  </p1510:revLst>
+</p1510:revInfo>
+</file>
+
 <file path=ppt/changesInfos/changesInfo1.xml><?xml version="1.0" encoding="utf-8"?>
 <pc:chgInfo xmlns:a="http://schemas.openxmlformats.org/drawingml/2006/main" xmlns:r="http://schemas.openxmlformats.org/officeDocument/2006/relationships" xmlns:ac="http://schemas.microsoft.com/office/drawing/2013/main/command" xmlns:pc="http://schemas.microsoft.com/office/powerpoint/2013/main/command">
   <pc:docChgLst>
     <pc:chgData name="Matthias Quinn" userId="2d474aaa2186e9c7" providerId="LiveId" clId="{779ADDDC-4A4A-4917-BBD4-2490D278F29C}"/>
     <pc:docChg chg="undo custSel mod addSld delSld modSld sldOrd">
-      <pc:chgData name="Matthias Quinn" userId="2d474aaa2186e9c7" providerId="LiveId" clId="{779ADDDC-4A4A-4917-BBD4-2490D278F29C}" dt="2020-11-16T23:55:01.508" v="239" actId="20577"/>
+      <pc:chgData name="Matthias Quinn" userId="2d474aaa2186e9c7" providerId="LiveId" clId="{779ADDDC-4A4A-4917-BBD4-2490D278F29C}" dt="2020-11-19T21:13:41.172" v="1443" actId="20577"/>
       <pc:docMkLst>
         <pc:docMk/>
       </pc:docMkLst>
       <pc:sldChg chg="addSp delSp modSp mod setClrOvrMap">
-        <pc:chgData name="Matthias Quinn" userId="2d474aaa2186e9c7" providerId="LiveId" clId="{779ADDDC-4A4A-4917-BBD4-2490D278F29C}" dt="2020-11-16T23:36:18.551" v="156" actId="20577"/>
+        <pc:chgData name="Matthias Quinn" userId="2d474aaa2186e9c7" providerId="LiveId" clId="{779ADDDC-4A4A-4917-BBD4-2490D278F29C}" dt="2020-11-19T21:13:41.172" v="1443" actId="20577"/>
         <pc:sldMkLst>
           <pc:docMk/>
           <pc:sldMk cId="55834379" sldId="256"/>
         </pc:sldMkLst>
         <pc:spChg chg="mod">
-          <ac:chgData name="Matthias Quinn" userId="2d474aaa2186e9c7" providerId="LiveId" clId="{779ADDDC-4A4A-4917-BBD4-2490D278F29C}" dt="2020-11-16T23:36:18.551" v="156" actId="20577"/>
+          <ac:chgData name="Matthias Quinn" userId="2d474aaa2186e9c7" providerId="LiveId" clId="{779ADDDC-4A4A-4917-BBD4-2490D278F29C}" dt="2020-11-18T23:57:28.125" v="483" actId="20577"/>
           <ac:spMkLst>
             <pc:docMk/>
             <pc:sldMk cId="55834379" sldId="256"/>
@@ -140,7 +150,7 @@
           </ac:spMkLst>
         </pc:spChg>
         <pc:spChg chg="mod">
-          <ac:chgData name="Matthias Quinn" userId="2d474aaa2186e9c7" providerId="LiveId" clId="{779ADDDC-4A4A-4917-BBD4-2490D278F29C}" dt="2020-11-12T23:31:50.506" v="79" actId="26606"/>
+          <ac:chgData name="Matthias Quinn" userId="2d474aaa2186e9c7" providerId="LiveId" clId="{779ADDDC-4A4A-4917-BBD4-2490D278F29C}" dt="2020-11-19T21:13:41.172" v="1443" actId="20577"/>
           <ac:spMkLst>
             <pc:docMk/>
             <pc:sldMk cId="55834379" sldId="256"/>
@@ -228,8 +238,8 @@
           </ac:cxnSpMkLst>
         </pc:cxnChg>
       </pc:sldChg>
-      <pc:sldChg chg="addSp delSp modSp mod ord modClrScheme delDesignElem chgLayout">
-        <pc:chgData name="Matthias Quinn" userId="2d474aaa2186e9c7" providerId="LiveId" clId="{779ADDDC-4A4A-4917-BBD4-2490D278F29C}" dt="2020-11-16T23:47:09.890" v="186"/>
+      <pc:sldChg chg="addSp delSp modSp del mod ord modClrScheme delDesignElem chgLayout">
+        <pc:chgData name="Matthias Quinn" userId="2d474aaa2186e9c7" providerId="LiveId" clId="{779ADDDC-4A4A-4917-BBD4-2490D278F29C}" dt="2020-11-19T01:33:32.622" v="884" actId="2696"/>
         <pc:sldMkLst>
           <pc:docMk/>
           <pc:sldMk cId="2733015701" sldId="257"/>
@@ -299,12 +309,20 @@
           </ac:spMkLst>
         </pc:spChg>
       </pc:sldChg>
-      <pc:sldChg chg="addSp delSp modSp new mod modClrScheme chgLayout">
-        <pc:chgData name="Matthias Quinn" userId="2d474aaa2186e9c7" providerId="LiveId" clId="{779ADDDC-4A4A-4917-BBD4-2490D278F29C}" dt="2020-11-16T23:43:42.374" v="184" actId="20577"/>
+      <pc:sldChg chg="addSp delSp modSp new mod setBg modClrScheme setClrOvrMap chgLayout">
+        <pc:chgData name="Matthias Quinn" userId="2d474aaa2186e9c7" providerId="LiveId" clId="{779ADDDC-4A4A-4917-BBD4-2490D278F29C}" dt="2020-11-19T21:11:40.064" v="1398" actId="20577"/>
         <pc:sldMkLst>
           <pc:docMk/>
           <pc:sldMk cId="1506561070" sldId="258"/>
         </pc:sldMkLst>
+        <pc:spChg chg="add mod ord">
+          <ac:chgData name="Matthias Quinn" userId="2d474aaa2186e9c7" providerId="LiveId" clId="{779ADDDC-4A4A-4917-BBD4-2490D278F29C}" dt="2020-11-19T21:11:40.064" v="1398" actId="20577"/>
+          <ac:spMkLst>
+            <pc:docMk/>
+            <pc:sldMk cId="1506561070" sldId="258"/>
+            <ac:spMk id="2" creationId="{21528A6D-5F3D-4605-A84F-8E894BE44A03}"/>
+          </ac:spMkLst>
+        </pc:spChg>
         <pc:spChg chg="del mod ord">
           <ac:chgData name="Matthias Quinn" userId="2d474aaa2186e9c7" providerId="LiveId" clId="{779ADDDC-4A4A-4917-BBD4-2490D278F29C}" dt="2020-11-16T23:43:28.527" v="157" actId="700"/>
           <ac:spMkLst>
@@ -330,39 +348,182 @@
           </ac:spMkLst>
         </pc:spChg>
         <pc:spChg chg="add mod ord">
-          <ac:chgData name="Matthias Quinn" userId="2d474aaa2186e9c7" providerId="LiveId" clId="{779ADDDC-4A4A-4917-BBD4-2490D278F29C}" dt="2020-11-16T23:43:42.374" v="184" actId="20577"/>
+          <ac:chgData name="Matthias Quinn" userId="2d474aaa2186e9c7" providerId="LiveId" clId="{779ADDDC-4A4A-4917-BBD4-2490D278F29C}" dt="2020-11-19T21:10:58.155" v="1361" actId="26606"/>
           <ac:spMkLst>
             <pc:docMk/>
             <pc:sldMk cId="1506561070" sldId="258"/>
             <ac:spMk id="5" creationId="{D7B466D7-6DB9-4A08-A8B1-B6759A5B1775}"/>
           </ac:spMkLst>
         </pc:spChg>
-        <pc:spChg chg="add mod ord">
-          <ac:chgData name="Matthias Quinn" userId="2d474aaa2186e9c7" providerId="LiveId" clId="{779ADDDC-4A4A-4917-BBD4-2490D278F29C}" dt="2020-11-16T23:43:28.527" v="157" actId="700"/>
+        <pc:spChg chg="add del mod ord">
+          <ac:chgData name="Matthias Quinn" userId="2d474aaa2186e9c7" providerId="LiveId" clId="{779ADDDC-4A4A-4917-BBD4-2490D278F29C}" dt="2020-11-19T21:10:30.434" v="1351" actId="22"/>
           <ac:spMkLst>
             <pc:docMk/>
             <pc:sldMk cId="1506561070" sldId="258"/>
             <ac:spMk id="6" creationId="{0424CB49-E29F-4FFA-A9D0-22FB807DCAF4}"/>
           </ac:spMkLst>
         </pc:spChg>
+        <pc:spChg chg="add del mod">
+          <ac:chgData name="Matthias Quinn" userId="2d474aaa2186e9c7" providerId="LiveId" clId="{779ADDDC-4A4A-4917-BBD4-2490D278F29C}" dt="2020-11-19T21:11:07.689" v="1364" actId="22"/>
+          <ac:spMkLst>
+            <pc:docMk/>
+            <pc:sldMk cId="1506561070" sldId="258"/>
+            <ac:spMk id="8" creationId="{F66F7591-F43C-4334-8B77-908D5DBF7356}"/>
+          </ac:spMkLst>
+        </pc:spChg>
+        <pc:spChg chg="add del">
+          <ac:chgData name="Matthias Quinn" userId="2d474aaa2186e9c7" providerId="LiveId" clId="{779ADDDC-4A4A-4917-BBD4-2490D278F29C}" dt="2020-11-19T21:10:58.155" v="1361" actId="26606"/>
+          <ac:spMkLst>
+            <pc:docMk/>
+            <pc:sldMk cId="1506561070" sldId="258"/>
+            <ac:spMk id="10" creationId="{F2B38F72-8FC4-4001-8C67-FA6B86DEC767}"/>
+          </ac:spMkLst>
+        </pc:spChg>
+        <pc:spChg chg="add del">
+          <ac:chgData name="Matthias Quinn" userId="2d474aaa2186e9c7" providerId="LiveId" clId="{779ADDDC-4A4A-4917-BBD4-2490D278F29C}" dt="2020-11-19T21:10:51.744" v="1358" actId="26606"/>
+          <ac:spMkLst>
+            <pc:docMk/>
+            <pc:sldMk cId="1506561070" sldId="258"/>
+            <ac:spMk id="15" creationId="{E8A8EAB8-D2FF-444D-B34B-7D32F106AD0E}"/>
+          </ac:spMkLst>
+        </pc:spChg>
+        <pc:spChg chg="add del">
+          <ac:chgData name="Matthias Quinn" userId="2d474aaa2186e9c7" providerId="LiveId" clId="{779ADDDC-4A4A-4917-BBD4-2490D278F29C}" dt="2020-11-19T21:10:58.130" v="1360" actId="26606"/>
+          <ac:spMkLst>
+            <pc:docMk/>
+            <pc:sldMk cId="1506561070" sldId="258"/>
+            <ac:spMk id="21" creationId="{2A865FE3-5FC9-4049-87CF-30019C46C0F5}"/>
+          </ac:spMkLst>
+        </pc:spChg>
+        <pc:spChg chg="add del">
+          <ac:chgData name="Matthias Quinn" userId="2d474aaa2186e9c7" providerId="LiveId" clId="{779ADDDC-4A4A-4917-BBD4-2490D278F29C}" dt="2020-11-19T21:10:58.130" v="1360" actId="26606"/>
+          <ac:spMkLst>
+            <pc:docMk/>
+            <pc:sldMk cId="1506561070" sldId="258"/>
+            <ac:spMk id="22" creationId="{1ECAB1E8-8195-4748-BE71-FF806D86892E}"/>
+          </ac:spMkLst>
+        </pc:spChg>
+        <pc:spChg chg="add del">
+          <ac:chgData name="Matthias Quinn" userId="2d474aaa2186e9c7" providerId="LiveId" clId="{779ADDDC-4A4A-4917-BBD4-2490D278F29C}" dt="2020-11-19T21:10:58.130" v="1360" actId="26606"/>
+          <ac:spMkLst>
+            <pc:docMk/>
+            <pc:sldMk cId="1506561070" sldId="258"/>
+            <ac:spMk id="23" creationId="{57F6BDD4-E066-4008-8011-6CC31AEB4556}"/>
+          </ac:spMkLst>
+        </pc:spChg>
+        <pc:spChg chg="add del">
+          <ac:chgData name="Matthias Quinn" userId="2d474aaa2186e9c7" providerId="LiveId" clId="{779ADDDC-4A4A-4917-BBD4-2490D278F29C}" dt="2020-11-19T21:10:58.130" v="1360" actId="26606"/>
+          <ac:spMkLst>
+            <pc:docMk/>
+            <pc:sldMk cId="1506561070" sldId="258"/>
+            <ac:spMk id="24" creationId="{2711A8FB-68FC-45FC-B01E-38F809E2D439}"/>
+          </ac:spMkLst>
+        </pc:spChg>
+        <pc:spChg chg="add">
+          <ac:chgData name="Matthias Quinn" userId="2d474aaa2186e9c7" providerId="LiveId" clId="{779ADDDC-4A4A-4917-BBD4-2490D278F29C}" dt="2020-11-19T21:10:58.155" v="1361" actId="26606"/>
+          <ac:spMkLst>
+            <pc:docMk/>
+            <pc:sldMk cId="1506561070" sldId="258"/>
+            <ac:spMk id="26" creationId="{E8A8EAB8-D2FF-444D-B34B-7D32F106AD0E}"/>
+          </ac:spMkLst>
+        </pc:spChg>
+        <pc:picChg chg="add del mod ord">
+          <ac:chgData name="Matthias Quinn" userId="2d474aaa2186e9c7" providerId="LiveId" clId="{779ADDDC-4A4A-4917-BBD4-2490D278F29C}" dt="2020-11-19T21:11:05.695" v="1363" actId="478"/>
+          <ac:picMkLst>
+            <pc:docMk/>
+            <pc:sldMk cId="1506561070" sldId="258"/>
+            <ac:picMk id="4" creationId="{0B0E6B3B-6B02-4E56-99EB-2483480589F7}"/>
+          </ac:picMkLst>
+        </pc:picChg>
+        <pc:picChg chg="add mod ord">
+          <ac:chgData name="Matthias Quinn" userId="2d474aaa2186e9c7" providerId="LiveId" clId="{779ADDDC-4A4A-4917-BBD4-2490D278F29C}" dt="2020-11-19T21:11:12.856" v="1365" actId="1076"/>
+          <ac:picMkLst>
+            <pc:docMk/>
+            <pc:sldMk cId="1506561070" sldId="258"/>
+            <ac:picMk id="11" creationId="{3498E050-44DC-4200-92EC-E7BD8B119285}"/>
+          </ac:picMkLst>
+        </pc:picChg>
+        <pc:cxnChg chg="add del">
+          <ac:chgData name="Matthias Quinn" userId="2d474aaa2186e9c7" providerId="LiveId" clId="{779ADDDC-4A4A-4917-BBD4-2490D278F29C}" dt="2020-11-19T21:10:51.744" v="1358" actId="26606"/>
+          <ac:cxnSpMkLst>
+            <pc:docMk/>
+            <pc:sldMk cId="1506561070" sldId="258"/>
+            <ac:cxnSpMk id="17" creationId="{EEA38897-7BA3-4408-8083-3235339C4A60}"/>
+          </ac:cxnSpMkLst>
+        </pc:cxnChg>
+        <pc:cxnChg chg="add del">
+          <ac:chgData name="Matthias Quinn" userId="2d474aaa2186e9c7" providerId="LiveId" clId="{779ADDDC-4A4A-4917-BBD4-2490D278F29C}" dt="2020-11-19T21:10:51.744" v="1358" actId="26606"/>
+          <ac:cxnSpMkLst>
+            <pc:docMk/>
+            <pc:sldMk cId="1506561070" sldId="258"/>
+            <ac:cxnSpMk id="19" creationId="{F11AD06B-AB20-4097-8606-5DA00DBACE88}"/>
+          </ac:cxnSpMkLst>
+        </pc:cxnChg>
+        <pc:cxnChg chg="add">
+          <ac:chgData name="Matthias Quinn" userId="2d474aaa2186e9c7" providerId="LiveId" clId="{779ADDDC-4A4A-4917-BBD4-2490D278F29C}" dt="2020-11-19T21:10:58.155" v="1361" actId="26606"/>
+          <ac:cxnSpMkLst>
+            <pc:docMk/>
+            <pc:sldMk cId="1506561070" sldId="258"/>
+            <ac:cxnSpMk id="27" creationId="{EEA38897-7BA3-4408-8083-3235339C4A60}"/>
+          </ac:cxnSpMkLst>
+        </pc:cxnChg>
+        <pc:cxnChg chg="add">
+          <ac:chgData name="Matthias Quinn" userId="2d474aaa2186e9c7" providerId="LiveId" clId="{779ADDDC-4A4A-4917-BBD4-2490D278F29C}" dt="2020-11-19T21:10:58.155" v="1361" actId="26606"/>
+          <ac:cxnSpMkLst>
+            <pc:docMk/>
+            <pc:sldMk cId="1506561070" sldId="258"/>
+            <ac:cxnSpMk id="28" creationId="{F11AD06B-AB20-4097-8606-5DA00DBACE88}"/>
+          </ac:cxnSpMkLst>
+        </pc:cxnChg>
       </pc:sldChg>
-      <pc:sldChg chg="modSp new mod">
-        <pc:chgData name="Matthias Quinn" userId="2d474aaa2186e9c7" providerId="LiveId" clId="{779ADDDC-4A4A-4917-BBD4-2490D278F29C}" dt="2020-11-16T23:55:01.508" v="239" actId="20577"/>
+      <pc:sldChg chg="addSp delSp modSp">
+        <pc:chgData name="Matthias Quinn" userId="2d474aaa2186e9c7" providerId="LiveId" clId="{779ADDDC-4A4A-4917-BBD4-2490D278F29C}" dt="2020-11-19T18:15:54.630" v="1270"/>
+        <pc:sldMkLst>
+          <pc:docMk/>
+          <pc:sldMk cId="262715303" sldId="259"/>
+        </pc:sldMkLst>
+        <pc:spChg chg="del">
+          <ac:chgData name="Matthias Quinn" userId="2d474aaa2186e9c7" providerId="LiveId" clId="{779ADDDC-4A4A-4917-BBD4-2490D278F29C}" dt="2020-11-19T18:15:54.630" v="1270"/>
+          <ac:spMkLst>
+            <pc:docMk/>
+            <pc:sldMk cId="262715303" sldId="259"/>
+            <ac:spMk id="3" creationId="{F43A716E-4B25-4599-9923-40CA743A7C0F}"/>
+          </ac:spMkLst>
+        </pc:spChg>
+        <pc:picChg chg="add mod">
+          <ac:chgData name="Matthias Quinn" userId="2d474aaa2186e9c7" providerId="LiveId" clId="{779ADDDC-4A4A-4917-BBD4-2490D278F29C}" dt="2020-11-19T18:15:54.630" v="1270"/>
+          <ac:picMkLst>
+            <pc:docMk/>
+            <pc:sldMk cId="262715303" sldId="259"/>
+            <ac:picMk id="1026" creationId="{25AD1518-1312-4AF9-96F3-7601C52DA106}"/>
+          </ac:picMkLst>
+        </pc:picChg>
+      </pc:sldChg>
+      <pc:sldChg chg="modSp new add del mod">
+        <pc:chgData name="Matthias Quinn" userId="2d474aaa2186e9c7" providerId="LiveId" clId="{779ADDDC-4A4A-4917-BBD4-2490D278F29C}" dt="2020-11-19T18:15:54.662" v="1271" actId="22"/>
         <pc:sldMkLst>
           <pc:docMk/>
           <pc:sldMk cId="3003575040" sldId="259"/>
         </pc:sldMkLst>
         <pc:spChg chg="mod">
-          <ac:chgData name="Matthias Quinn" userId="2d474aaa2186e9c7" providerId="LiveId" clId="{779ADDDC-4A4A-4917-BBD4-2490D278F29C}" dt="2020-11-16T23:55:01.508" v="239" actId="20577"/>
+          <ac:chgData name="Matthias Quinn" userId="2d474aaa2186e9c7" providerId="LiveId" clId="{779ADDDC-4A4A-4917-BBD4-2490D278F29C}" dt="2020-11-18T23:31:24.004" v="273" actId="20577"/>
           <ac:spMkLst>
             <pc:docMk/>
             <pc:sldMk cId="3003575040" sldId="259"/>
             <ac:spMk id="2" creationId="{092054FD-C159-427D-B2F0-A55371A8399E}"/>
           </ac:spMkLst>
         </pc:spChg>
+        <pc:spChg chg="mod">
+          <ac:chgData name="Matthias Quinn" userId="2d474aaa2186e9c7" providerId="LiveId" clId="{779ADDDC-4A4A-4917-BBD4-2490D278F29C}" dt="2020-11-19T01:07:23.857" v="623" actId="20577"/>
+          <ac:spMkLst>
+            <pc:docMk/>
+            <pc:sldMk cId="3003575040" sldId="259"/>
+            <ac:spMk id="4" creationId="{28406647-8067-418F-B3FC-762F6BCBA340}"/>
+          </ac:spMkLst>
+        </pc:spChg>
       </pc:sldChg>
       <pc:sldChg chg="addSp delSp modSp new mod modClrScheme chgLayout">
-        <pc:chgData name="Matthias Quinn" userId="2d474aaa2186e9c7" providerId="LiveId" clId="{779ADDDC-4A4A-4917-BBD4-2490D278F29C}" dt="2020-11-16T23:35:55.597" v="99" actId="20577"/>
+        <pc:chgData name="Matthias Quinn" userId="2d474aaa2186e9c7" providerId="LiveId" clId="{779ADDDC-4A4A-4917-BBD4-2490D278F29C}" dt="2020-11-19T18:16:15.819" v="1274" actId="20577"/>
         <pc:sldMkLst>
           <pc:docMk/>
           <pc:sldMk cId="1280232097" sldId="260"/>
@@ -400,11 +561,34 @@
           </ac:spMkLst>
         </pc:spChg>
         <pc:spChg chg="add mod ord">
-          <ac:chgData name="Matthias Quinn" userId="2d474aaa2186e9c7" providerId="LiveId" clId="{779ADDDC-4A4A-4917-BBD4-2490D278F29C}" dt="2020-11-16T23:35:55.597" v="99" actId="20577"/>
+          <ac:chgData name="Matthias Quinn" userId="2d474aaa2186e9c7" providerId="LiveId" clId="{779ADDDC-4A4A-4917-BBD4-2490D278F29C}" dt="2020-11-19T18:16:15.819" v="1274" actId="20577"/>
           <ac:spMkLst>
             <pc:docMk/>
             <pc:sldMk cId="1280232097" sldId="260"/>
             <ac:spMk id="6" creationId="{92296189-664C-43BC-8E01-F6E0DD227890}"/>
+          </ac:spMkLst>
+        </pc:spChg>
+      </pc:sldChg>
+      <pc:sldChg chg="modSp new mod">
+        <pc:chgData name="Matthias Quinn" userId="2d474aaa2186e9c7" providerId="LiveId" clId="{779ADDDC-4A4A-4917-BBD4-2490D278F29C}" dt="2020-11-19T18:11:02.323" v="1235" actId="20577"/>
+        <pc:sldMkLst>
+          <pc:docMk/>
+          <pc:sldMk cId="272243923" sldId="261"/>
+        </pc:sldMkLst>
+        <pc:spChg chg="mod">
+          <ac:chgData name="Matthias Quinn" userId="2d474aaa2186e9c7" providerId="LiveId" clId="{779ADDDC-4A4A-4917-BBD4-2490D278F29C}" dt="2020-11-18T23:31:05.150" v="268" actId="20577"/>
+          <ac:spMkLst>
+            <pc:docMk/>
+            <pc:sldMk cId="272243923" sldId="261"/>
+            <ac:spMk id="2" creationId="{7914BCAB-F56E-4BF2-820B-1427A430506E}"/>
+          </ac:spMkLst>
+        </pc:spChg>
+        <pc:spChg chg="mod">
+          <ac:chgData name="Matthias Quinn" userId="2d474aaa2186e9c7" providerId="LiveId" clId="{779ADDDC-4A4A-4917-BBD4-2490D278F29C}" dt="2020-11-19T18:11:02.323" v="1235" actId="20577"/>
+          <ac:spMkLst>
+            <pc:docMk/>
+            <pc:sldMk cId="272243923" sldId="261"/>
+            <ac:spMk id="3" creationId="{7DAB4794-AAB6-4C51-9959-9E969F07F346}"/>
           </ac:spMkLst>
         </pc:spChg>
       </pc:sldChg>
@@ -413,6 +597,194 @@
         <pc:sldMkLst>
           <pc:docMk/>
           <pc:sldMk cId="932455550" sldId="261"/>
+        </pc:sldMkLst>
+      </pc:sldChg>
+      <pc:sldChg chg="modSp new del mod">
+        <pc:chgData name="Matthias Quinn" userId="2d474aaa2186e9c7" providerId="LiveId" clId="{779ADDDC-4A4A-4917-BBD4-2490D278F29C}" dt="2020-11-19T18:10:50.991" v="1185" actId="2696"/>
+        <pc:sldMkLst>
+          <pc:docMk/>
+          <pc:sldMk cId="258973662" sldId="262"/>
+        </pc:sldMkLst>
+        <pc:spChg chg="mod">
+          <ac:chgData name="Matthias Quinn" userId="2d474aaa2186e9c7" providerId="LiveId" clId="{779ADDDC-4A4A-4917-BBD4-2490D278F29C}" dt="2020-11-18T23:51:19.522" v="384" actId="20577"/>
+          <ac:spMkLst>
+            <pc:docMk/>
+            <pc:sldMk cId="258973662" sldId="262"/>
+            <ac:spMk id="2" creationId="{4062075E-7C77-4C60-AE92-33AC8863C770}"/>
+          </ac:spMkLst>
+        </pc:spChg>
+        <pc:spChg chg="mod">
+          <ac:chgData name="Matthias Quinn" userId="2d474aaa2186e9c7" providerId="LiveId" clId="{779ADDDC-4A4A-4917-BBD4-2490D278F29C}" dt="2020-11-19T01:58:42.584" v="1149" actId="20577"/>
+          <ac:spMkLst>
+            <pc:docMk/>
+            <pc:sldMk cId="258973662" sldId="262"/>
+            <ac:spMk id="4" creationId="{E50A9924-FD52-49F5-A1DF-005C76A39A3D}"/>
+          </ac:spMkLst>
+        </pc:spChg>
+      </pc:sldChg>
+      <pc:sldChg chg="addSp delSp modSp new mod setBg">
+        <pc:chgData name="Matthias Quinn" userId="2d474aaa2186e9c7" providerId="LiveId" clId="{779ADDDC-4A4A-4917-BBD4-2490D278F29C}" dt="2020-11-19T18:12:03.503" v="1269" actId="20577"/>
+        <pc:sldMkLst>
+          <pc:docMk/>
+          <pc:sldMk cId="2762500892" sldId="263"/>
+        </pc:sldMkLst>
+        <pc:spChg chg="mod ord">
+          <ac:chgData name="Matthias Quinn" userId="2d474aaa2186e9c7" providerId="LiveId" clId="{779ADDDC-4A4A-4917-BBD4-2490D278F29C}" dt="2020-11-19T01:38:04.711" v="1008" actId="26606"/>
+          <ac:spMkLst>
+            <pc:docMk/>
+            <pc:sldMk cId="2762500892" sldId="263"/>
+            <ac:spMk id="2" creationId="{4EB43E0B-BA87-4308-9006-B14057FD47F2}"/>
+          </ac:spMkLst>
+        </pc:spChg>
+        <pc:spChg chg="del">
+          <ac:chgData name="Matthias Quinn" userId="2d474aaa2186e9c7" providerId="LiveId" clId="{779ADDDC-4A4A-4917-BBD4-2490D278F29C}" dt="2020-11-19T01:37:48.535" v="999" actId="22"/>
+          <ac:spMkLst>
+            <pc:docMk/>
+            <pc:sldMk cId="2762500892" sldId="263"/>
+            <ac:spMk id="3" creationId="{CB85CFD6-68D3-4B07-A2DD-025EEC2B0E0A}"/>
+          </ac:spMkLst>
+        </pc:spChg>
+        <pc:spChg chg="mod">
+          <ac:chgData name="Matthias Quinn" userId="2d474aaa2186e9c7" providerId="LiveId" clId="{779ADDDC-4A4A-4917-BBD4-2490D278F29C}" dt="2020-11-19T18:12:03.503" v="1269" actId="20577"/>
+          <ac:spMkLst>
+            <pc:docMk/>
+            <pc:sldMk cId="2762500892" sldId="263"/>
+            <ac:spMk id="4" creationId="{4CB2ACE4-993C-4866-BA79-4B9AFB8204F0}"/>
+          </ac:spMkLst>
+        </pc:spChg>
+        <pc:spChg chg="add">
+          <ac:chgData name="Matthias Quinn" userId="2d474aaa2186e9c7" providerId="LiveId" clId="{779ADDDC-4A4A-4917-BBD4-2490D278F29C}" dt="2020-11-19T01:38:04.711" v="1008" actId="26606"/>
+          <ac:spMkLst>
+            <pc:docMk/>
+            <pc:sldMk cId="2762500892" sldId="263"/>
+            <ac:spMk id="8" creationId="{A81E7530-396C-45F0-92F4-A885648D1631}"/>
+          </ac:spMkLst>
+        </pc:spChg>
+        <pc:spChg chg="add">
+          <ac:chgData name="Matthias Quinn" userId="2d474aaa2186e9c7" providerId="LiveId" clId="{779ADDDC-4A4A-4917-BBD4-2490D278F29C}" dt="2020-11-19T01:38:04.711" v="1008" actId="26606"/>
+          <ac:spMkLst>
+            <pc:docMk/>
+            <pc:sldMk cId="2762500892" sldId="263"/>
+            <ac:spMk id="9" creationId="{7316481C-0A49-4796-812B-0D64F063B720}"/>
+          </ac:spMkLst>
+        </pc:spChg>
+        <pc:spChg chg="add">
+          <ac:chgData name="Matthias Quinn" userId="2d474aaa2186e9c7" providerId="LiveId" clId="{779ADDDC-4A4A-4917-BBD4-2490D278F29C}" dt="2020-11-19T01:38:04.711" v="1008" actId="26606"/>
+          <ac:spMkLst>
+            <pc:docMk/>
+            <pc:sldMk cId="2762500892" sldId="263"/>
+            <ac:spMk id="10" creationId="{A5271697-90F1-4A23-8EF2-0179F2EAFACB}"/>
+          </ac:spMkLst>
+        </pc:spChg>
+        <pc:spChg chg="add del">
+          <ac:chgData name="Matthias Quinn" userId="2d474aaa2186e9c7" providerId="LiveId" clId="{779ADDDC-4A4A-4917-BBD4-2490D278F29C}" dt="2020-11-19T01:37:58.457" v="1001" actId="26606"/>
+          <ac:spMkLst>
+            <pc:docMk/>
+            <pc:sldMk cId="2762500892" sldId="263"/>
+            <ac:spMk id="11" creationId="{A81E7530-396C-45F0-92F4-A885648D1631}"/>
+          </ac:spMkLst>
+        </pc:spChg>
+        <pc:spChg chg="add del">
+          <ac:chgData name="Matthias Quinn" userId="2d474aaa2186e9c7" providerId="LiveId" clId="{779ADDDC-4A4A-4917-BBD4-2490D278F29C}" dt="2020-11-19T01:37:58.457" v="1001" actId="26606"/>
+          <ac:spMkLst>
+            <pc:docMk/>
+            <pc:sldMk cId="2762500892" sldId="263"/>
+            <ac:spMk id="13" creationId="{7316481C-0A49-4796-812B-0D64F063B720}"/>
+          </ac:spMkLst>
+        </pc:spChg>
+        <pc:spChg chg="add">
+          <ac:chgData name="Matthias Quinn" userId="2d474aaa2186e9c7" providerId="LiveId" clId="{779ADDDC-4A4A-4917-BBD4-2490D278F29C}" dt="2020-11-19T01:38:04.711" v="1008" actId="26606"/>
+          <ac:spMkLst>
+            <pc:docMk/>
+            <pc:sldMk cId="2762500892" sldId="263"/>
+            <ac:spMk id="14" creationId="{D9F5512A-48E1-4C07-B75E-3CCC517B6804}"/>
+          </ac:spMkLst>
+        </pc:spChg>
+        <pc:spChg chg="add del">
+          <ac:chgData name="Matthias Quinn" userId="2d474aaa2186e9c7" providerId="LiveId" clId="{779ADDDC-4A4A-4917-BBD4-2490D278F29C}" dt="2020-11-19T01:37:58.457" v="1001" actId="26606"/>
+          <ac:spMkLst>
+            <pc:docMk/>
+            <pc:sldMk cId="2762500892" sldId="263"/>
+            <ac:spMk id="15" creationId="{A5271697-90F1-4A23-8EF2-0179F2EAFACB}"/>
+          </ac:spMkLst>
+        </pc:spChg>
+        <pc:spChg chg="add del">
+          <ac:chgData name="Matthias Quinn" userId="2d474aaa2186e9c7" providerId="LiveId" clId="{779ADDDC-4A4A-4917-BBD4-2490D278F29C}" dt="2020-11-19T01:37:58.457" v="1001" actId="26606"/>
+          <ac:spMkLst>
+            <pc:docMk/>
+            <pc:sldMk cId="2762500892" sldId="263"/>
+            <ac:spMk id="39" creationId="{D9F5512A-48E1-4C07-B75E-3CCC517B6804}"/>
+          </ac:spMkLst>
+        </pc:spChg>
+        <pc:spChg chg="add del">
+          <ac:chgData name="Matthias Quinn" userId="2d474aaa2186e9c7" providerId="LiveId" clId="{779ADDDC-4A4A-4917-BBD4-2490D278F29C}" dt="2020-11-19T01:38:02.637" v="1005" actId="26606"/>
+          <ac:spMkLst>
+            <pc:docMk/>
+            <pc:sldMk cId="2762500892" sldId="263"/>
+            <ac:spMk id="43" creationId="{EBF87945-A001-489F-9D9B-7D9435F0B9CA}"/>
+          </ac:spMkLst>
+        </pc:spChg>
+        <pc:grpChg chg="add">
+          <ac:chgData name="Matthias Quinn" userId="2d474aaa2186e9c7" providerId="LiveId" clId="{779ADDDC-4A4A-4917-BBD4-2490D278F29C}" dt="2020-11-19T01:38:04.711" v="1008" actId="26606"/>
+          <ac:grpSpMkLst>
+            <pc:docMk/>
+            <pc:sldMk cId="2762500892" sldId="263"/>
+            <ac:grpSpMk id="12" creationId="{81DE8B58-F373-409E-A253-4380A66091D4}"/>
+          </ac:grpSpMkLst>
+        </pc:grpChg>
+        <pc:grpChg chg="add del">
+          <ac:chgData name="Matthias Quinn" userId="2d474aaa2186e9c7" providerId="LiveId" clId="{779ADDDC-4A4A-4917-BBD4-2490D278F29C}" dt="2020-11-19T01:37:58.457" v="1001" actId="26606"/>
+          <ac:grpSpMkLst>
+            <pc:docMk/>
+            <pc:sldMk cId="2762500892" sldId="263"/>
+            <ac:grpSpMk id="17" creationId="{81DE8B58-F373-409E-A253-4380A66091D4}"/>
+          </ac:grpSpMkLst>
+        </pc:grpChg>
+        <pc:picChg chg="add mod ord">
+          <ac:chgData name="Matthias Quinn" userId="2d474aaa2186e9c7" providerId="LiveId" clId="{779ADDDC-4A4A-4917-BBD4-2490D278F29C}" dt="2020-11-19T01:38:53.864" v="1011" actId="1076"/>
+          <ac:picMkLst>
+            <pc:docMk/>
+            <pc:sldMk cId="2762500892" sldId="263"/>
+            <ac:picMk id="6" creationId="{E282EBDE-B469-452C-B59C-E6F966DFBF5F}"/>
+          </ac:picMkLst>
+        </pc:picChg>
+        <pc:picChg chg="add del">
+          <ac:chgData name="Matthias Quinn" userId="2d474aaa2186e9c7" providerId="LiveId" clId="{779ADDDC-4A4A-4917-BBD4-2490D278F29C}" dt="2020-11-19T01:38:00.484" v="1003" actId="26606"/>
+          <ac:picMkLst>
+            <pc:docMk/>
+            <pc:sldMk cId="2762500892" sldId="263"/>
+            <ac:picMk id="41" creationId="{54DDEBDD-D8BD-41A6-8A0D-B00E3768B0F9}"/>
+          </ac:picMkLst>
+        </pc:picChg>
+      </pc:sldChg>
+      <pc:sldChg chg="modSp new mod">
+        <pc:chgData name="Matthias Quinn" userId="2d474aaa2186e9c7" providerId="LiveId" clId="{779ADDDC-4A4A-4917-BBD4-2490D278F29C}" dt="2020-11-19T18:05:20.375" v="1184" actId="27636"/>
+        <pc:sldMkLst>
+          <pc:docMk/>
+          <pc:sldMk cId="20975022" sldId="264"/>
+        </pc:sldMkLst>
+        <pc:spChg chg="mod">
+          <ac:chgData name="Matthias Quinn" userId="2d474aaa2186e9c7" providerId="LiveId" clId="{779ADDDC-4A4A-4917-BBD4-2490D278F29C}" dt="2020-11-19T01:54:12.196" v="1145" actId="20577"/>
+          <ac:spMkLst>
+            <pc:docMk/>
+            <pc:sldMk cId="20975022" sldId="264"/>
+            <ac:spMk id="2" creationId="{2E97D194-FD47-4EF3-B808-7C4952DD8EEA}"/>
+          </ac:spMkLst>
+        </pc:spChg>
+        <pc:spChg chg="mod">
+          <ac:chgData name="Matthias Quinn" userId="2d474aaa2186e9c7" providerId="LiveId" clId="{779ADDDC-4A4A-4917-BBD4-2490D278F29C}" dt="2020-11-19T18:05:20.375" v="1184" actId="27636"/>
+          <ac:spMkLst>
+            <pc:docMk/>
+            <pc:sldMk cId="20975022" sldId="264"/>
+            <ac:spMk id="3" creationId="{B69E2BC4-A66F-4EF3-94F5-CCE7E294F633}"/>
+          </ac:spMkLst>
+        </pc:spChg>
+      </pc:sldChg>
+      <pc:sldChg chg="new del">
+        <pc:chgData name="Matthias Quinn" userId="2d474aaa2186e9c7" providerId="LiveId" clId="{779ADDDC-4A4A-4917-BBD4-2490D278F29C}" dt="2020-11-19T01:50:58.413" v="1026" actId="2696"/>
+        <pc:sldMkLst>
+          <pc:docMk/>
+          <pc:sldMk cId="3184081457" sldId="264"/>
         </pc:sldMkLst>
       </pc:sldChg>
     </pc:docChg>
@@ -567,7 +939,7 @@
           <a:p>
             <a:fld id="{214D8DB1-FB16-47A0-B98F-D686EBE83962}" type="datetimeFigureOut">
               <a:rPr lang="en-US" smtClean="0"/>
-              <a:t>11/16/2020</a:t>
+              <a:t>11/18/2020</a:t>
             </a:fld>
             <a:endParaRPr lang="en-US"/>
           </a:p>
@@ -765,7 +1137,7 @@
           <a:p>
             <a:fld id="{214D8DB1-FB16-47A0-B98F-D686EBE83962}" type="datetimeFigureOut">
               <a:rPr lang="en-US" smtClean="0"/>
-              <a:t>11/16/2020</a:t>
+              <a:t>11/18/2020</a:t>
             </a:fld>
             <a:endParaRPr lang="en-US"/>
           </a:p>
@@ -973,7 +1345,7 @@
           <a:p>
             <a:fld id="{214D8DB1-FB16-47A0-B98F-D686EBE83962}" type="datetimeFigureOut">
               <a:rPr lang="en-US" smtClean="0"/>
-              <a:t>11/16/2020</a:t>
+              <a:t>11/18/2020</a:t>
             </a:fld>
             <a:endParaRPr lang="en-US"/>
           </a:p>
@@ -1171,7 +1543,7 @@
           <a:p>
             <a:fld id="{214D8DB1-FB16-47A0-B98F-D686EBE83962}" type="datetimeFigureOut">
               <a:rPr lang="en-US" smtClean="0"/>
-              <a:t>11/16/2020</a:t>
+              <a:t>11/18/2020</a:t>
             </a:fld>
             <a:endParaRPr lang="en-US"/>
           </a:p>
@@ -1446,7 +1818,7 @@
           <a:p>
             <a:fld id="{214D8DB1-FB16-47A0-B98F-D686EBE83962}" type="datetimeFigureOut">
               <a:rPr lang="en-US" smtClean="0"/>
-              <a:t>11/16/2020</a:t>
+              <a:t>11/18/2020</a:t>
             </a:fld>
             <a:endParaRPr lang="en-US"/>
           </a:p>
@@ -1711,7 +2083,7 @@
           <a:p>
             <a:fld id="{214D8DB1-FB16-47A0-B98F-D686EBE83962}" type="datetimeFigureOut">
               <a:rPr lang="en-US" smtClean="0"/>
-              <a:t>11/16/2020</a:t>
+              <a:t>11/18/2020</a:t>
             </a:fld>
             <a:endParaRPr lang="en-US"/>
           </a:p>
@@ -2123,7 +2495,7 @@
           <a:p>
             <a:fld id="{214D8DB1-FB16-47A0-B98F-D686EBE83962}" type="datetimeFigureOut">
               <a:rPr lang="en-US" smtClean="0"/>
-              <a:t>11/16/2020</a:t>
+              <a:t>11/18/2020</a:t>
             </a:fld>
             <a:endParaRPr lang="en-US"/>
           </a:p>
@@ -2264,7 +2636,7 @@
           <a:p>
             <a:fld id="{214D8DB1-FB16-47A0-B98F-D686EBE83962}" type="datetimeFigureOut">
               <a:rPr lang="en-US" smtClean="0"/>
-              <a:t>11/16/2020</a:t>
+              <a:t>11/18/2020</a:t>
             </a:fld>
             <a:endParaRPr lang="en-US"/>
           </a:p>
@@ -2377,7 +2749,7 @@
           <a:p>
             <a:fld id="{214D8DB1-FB16-47A0-B98F-D686EBE83962}" type="datetimeFigureOut">
               <a:rPr lang="en-US" smtClean="0"/>
-              <a:t>11/16/2020</a:t>
+              <a:t>11/18/2020</a:t>
             </a:fld>
             <a:endParaRPr lang="en-US"/>
           </a:p>
@@ -2688,7 +3060,7 @@
           <a:p>
             <a:fld id="{214D8DB1-FB16-47A0-B98F-D686EBE83962}" type="datetimeFigureOut">
               <a:rPr lang="en-US" smtClean="0"/>
-              <a:t>11/16/2020</a:t>
+              <a:t>11/18/2020</a:t>
             </a:fld>
             <a:endParaRPr lang="en-US"/>
           </a:p>
@@ -2976,7 +3348,7 @@
           <a:p>
             <a:fld id="{214D8DB1-FB16-47A0-B98F-D686EBE83962}" type="datetimeFigureOut">
               <a:rPr lang="en-US" smtClean="0"/>
-              <a:t>11/16/2020</a:t>
+              <a:t>11/18/2020</a:t>
             </a:fld>
             <a:endParaRPr lang="en-US"/>
           </a:p>
@@ -3217,7 +3589,7 @@
           <a:p>
             <a:fld id="{214D8DB1-FB16-47A0-B98F-D686EBE83962}" type="datetimeFigureOut">
               <a:rPr lang="en-US" smtClean="0"/>
-              <a:t>11/16/2020</a:t>
+              <a:t>11/18/2020</a:t>
             </a:fld>
             <a:endParaRPr lang="en-US"/>
           </a:p>
@@ -3848,7 +4220,7 @@
             <a:pPr algn="l"/>
             <a:r>
               <a:rPr lang="en-US" sz="4800" dirty="0"/>
-              <a:t>Wildfire Prevention – Farmer’s Prevention</a:t>
+              <a:t>Wildfire Prevention – Farmer’s Insurance</a:t>
             </a:r>
           </a:p>
         </p:txBody>
@@ -3883,8 +4255,30 @@
           <a:p>
             <a:pPr algn="l"/>
             <a:r>
-              <a:rPr lang="en-US" sz="2000"/>
+              <a:rPr lang="en-US" sz="2000" dirty="0"/>
               <a:t>By Matt Q.</a:t>
+            </a:r>
+          </a:p>
+          <a:p>
+            <a:pPr algn="l"/>
+            <a:r>
+              <a:rPr lang="en-US" sz="2000" dirty="0"/>
+              <a:t>Consulting/Programming</a:t>
+            </a:r>
+          </a:p>
+          <a:p>
+            <a:pPr algn="l"/>
+            <a:r>
+              <a:rPr lang="en-US" sz="2000" dirty="0"/>
+              <a:t>19</a:t>
+            </a:r>
+            <a:r>
+              <a:rPr lang="en-US" sz="2000" baseline="30000" dirty="0"/>
+              <a:t>th</a:t>
+            </a:r>
+            <a:r>
+              <a:rPr lang="en-US" sz="2000" dirty="0"/>
+              <a:t> November 2020</a:t>
             </a:r>
           </a:p>
         </p:txBody>
@@ -4082,10 +4476,10 @@
       </p:grpSpPr>
       <p:sp>
         <p:nvSpPr>
-          <p:cNvPr id="5" name="Title 4">
-            <a:extLst>
-              <a:ext uri="{FF2B5EF4-FFF2-40B4-BE49-F238E27FC236}">
-                <a16:creationId xmlns:a16="http://schemas.microsoft.com/office/drawing/2014/main" id="{D7B466D7-6DB9-4A08-A8B1-B6759A5B1775}"/>
+          <p:cNvPr id="2" name="Title 1">
+            <a:extLst>
+              <a:ext uri="{FF2B5EF4-FFF2-40B4-BE49-F238E27FC236}">
+                <a16:creationId xmlns:a16="http://schemas.microsoft.com/office/drawing/2014/main" id="{7914BCAB-F56E-4BF2-820B-1427A430506E}"/>
               </a:ext>
             </a:extLst>
           </p:cNvPr>
@@ -4103,17 +4497,17 @@
           <a:p>
             <a:r>
               <a:rPr lang="en-US" dirty="0"/>
-              <a:t>Previous Wildfire History</a:t>
+              <a:t>Possible Factors to Consider</a:t>
             </a:r>
           </a:p>
         </p:txBody>
       </p:sp>
       <p:sp>
         <p:nvSpPr>
-          <p:cNvPr id="6" name="Content Placeholder 5">
-            <a:extLst>
-              <a:ext uri="{FF2B5EF4-FFF2-40B4-BE49-F238E27FC236}">
-                <a16:creationId xmlns:a16="http://schemas.microsoft.com/office/drawing/2014/main" id="{0424CB49-E29F-4FFA-A9D0-22FB807DCAF4}"/>
+          <p:cNvPr id="3" name="Content Placeholder 2">
+            <a:extLst>
+              <a:ext uri="{FF2B5EF4-FFF2-40B4-BE49-F238E27FC236}">
+                <a16:creationId xmlns:a16="http://schemas.microsoft.com/office/drawing/2014/main" id="{7DAB4794-AAB6-4C51-9959-9E969F07F346}"/>
               </a:ext>
             </a:extLst>
           </p:cNvPr>
@@ -4129,6 +4523,24 @@
           <a:bodyPr/>
           <a:lstStyle/>
           <a:p>
+            <a:r>
+              <a:rPr lang="en-US" dirty="0"/>
+              <a:t>Wildfire History</a:t>
+            </a:r>
+          </a:p>
+          <a:p>
+            <a:r>
+              <a:rPr lang="en-US" dirty="0"/>
+              <a:t>Types of Home Resistances</a:t>
+            </a:r>
+          </a:p>
+          <a:p>
+            <a:r>
+              <a:rPr lang="en-US" dirty="0"/>
+              <a:t>Defensible Space</a:t>
+            </a:r>
+          </a:p>
+          <a:p>
             <a:endParaRPr lang="en-US" dirty="0"/>
           </a:p>
         </p:txBody>
@@ -4136,7 +4548,7 @@
     </p:spTree>
     <p:extLst>
       <p:ext uri="{BB962C8B-B14F-4D97-AF65-F5344CB8AC3E}">
-        <p14:creationId xmlns:p14="http://schemas.microsoft.com/office/powerpoint/2010/main" val="1506561070"/>
+        <p14:creationId xmlns:p14="http://schemas.microsoft.com/office/powerpoint/2010/main" val="272243923"/>
       </p:ext>
     </p:extLst>
   </p:cSld>
@@ -4168,7 +4580,7 @@
           <p:cNvPr id="2" name="Title 1">
             <a:extLst>
               <a:ext uri="{FF2B5EF4-FFF2-40B4-BE49-F238E27FC236}">
-                <a16:creationId xmlns:a16="http://schemas.microsoft.com/office/drawing/2014/main" id="{092054FD-C159-427D-B2F0-A55371A8399E}"/>
+                <a16:creationId xmlns:a16="http://schemas.microsoft.com/office/drawing/2014/main" id="{2E97D194-FD47-4EF3-B808-7C4952DD8EEA}"/>
               </a:ext>
             </a:extLst>
           </p:cNvPr>
@@ -4186,70 +4598,894 @@
           <a:p>
             <a:r>
               <a:rPr lang="en-US" dirty="0"/>
-              <a:t>Types of Home </a:t>
-            </a:r>
-            <a:r>
-              <a:rPr lang="en-US" dirty="0" err="1"/>
-              <a:t>Resistants</a:t>
-            </a:r>
-            <a:endParaRPr lang="en-US" dirty="0"/>
+              <a:t>The Weighted Expected Net Value Change</a:t>
+            </a:r>
           </a:p>
         </p:txBody>
       </p:sp>
-      <p:sp>
-        <p:nvSpPr>
-          <p:cNvPr id="3" name="Content Placeholder 2">
-            <a:extLst>
-              <a:ext uri="{FF2B5EF4-FFF2-40B4-BE49-F238E27FC236}">
-                <a16:creationId xmlns:a16="http://schemas.microsoft.com/office/drawing/2014/main" id="{F43A716E-4B25-4599-9923-40CA743A7C0F}"/>
-              </a:ext>
-            </a:extLst>
-          </p:cNvPr>
-          <p:cNvSpPr>
-            <a:spLocks noGrp="1"/>
-          </p:cNvSpPr>
-          <p:nvPr>
-            <p:ph idx="1"/>
-          </p:nvPr>
-        </p:nvSpPr>
-        <p:spPr/>
-        <p:txBody>
-          <a:bodyPr/>
-          <a:lstStyle/>
-          <a:p>
-            <a:endParaRPr lang="en-US"/>
-          </a:p>
-        </p:txBody>
-      </p:sp>
-      <p:sp>
-        <p:nvSpPr>
-          <p:cNvPr id="4" name="Text Placeholder 3">
-            <a:extLst>
-              <a:ext uri="{FF2B5EF4-FFF2-40B4-BE49-F238E27FC236}">
-                <a16:creationId xmlns:a16="http://schemas.microsoft.com/office/drawing/2014/main" id="{28406647-8067-418F-B3FC-762F6BCBA340}"/>
-              </a:ext>
-            </a:extLst>
-          </p:cNvPr>
-          <p:cNvSpPr>
-            <a:spLocks noGrp="1"/>
-          </p:cNvSpPr>
-          <p:nvPr>
-            <p:ph type="body" sz="half" idx="2"/>
-          </p:nvPr>
-        </p:nvSpPr>
-        <p:spPr/>
-        <p:txBody>
-          <a:bodyPr/>
-          <a:lstStyle/>
-          <a:p>
-            <a:endParaRPr lang="en-US" dirty="0"/>
-          </a:p>
-        </p:txBody>
-      </p:sp>
+      <mc:AlternateContent xmlns:mc="http://schemas.openxmlformats.org/markup-compatibility/2006">
+        <mc:Choice xmlns:a14="http://schemas.microsoft.com/office/drawing/2010/main" Requires="a14">
+          <p:sp>
+            <p:nvSpPr>
+              <p:cNvPr id="3" name="Content Placeholder 2">
+                <a:extLst>
+                  <a:ext uri="{FF2B5EF4-FFF2-40B4-BE49-F238E27FC236}">
+                    <a16:creationId xmlns:a16="http://schemas.microsoft.com/office/drawing/2014/main" id="{B69E2BC4-A66F-4EF3-94F5-CCE7E294F633}"/>
+                  </a:ext>
+                </a:extLst>
+              </p:cNvPr>
+              <p:cNvSpPr>
+                <a:spLocks noGrp="1"/>
+              </p:cNvSpPr>
+              <p:nvPr>
+                <p:ph idx="1"/>
+              </p:nvPr>
+            </p:nvSpPr>
+            <p:spPr/>
+            <p:txBody>
+              <a:bodyPr>
+                <a:normAutofit fontScale="92500" lnSpcReduction="20000"/>
+              </a:bodyPr>
+              <a:lstStyle/>
+              <a:p>
+                <a:pPr marL="0" marR="0" indent="0">
+                  <a:lnSpc>
+                    <a:spcPct val="107000"/>
+                  </a:lnSpc>
+                  <a:spcBef>
+                    <a:spcPts val="0"/>
+                  </a:spcBef>
+                  <a:spcAft>
+                    <a:spcPts val="800"/>
+                  </a:spcAft>
+                  <a:buNone/>
+                </a:pPr>
+                <a14:m>
+                  <m:oMathPara xmlns:m="http://schemas.openxmlformats.org/officeDocument/2006/math">
+                    <m:oMathParaPr>
+                      <m:jc m:val="center"/>
+                    </m:oMathParaPr>
+                    <m:oMath xmlns:m="http://schemas.openxmlformats.org/officeDocument/2006/math">
+                      <m:r>
+                        <a:rPr lang="en-US" sz="1800" i="1" smtClean="0">
+                          <a:effectLst/>
+                          <a:latin typeface="Cambria Math" panose="02040503050406030204" pitchFamily="18" charset="0"/>
+                          <a:ea typeface="Calibri" panose="020F0502020204030204" pitchFamily="34" charset="0"/>
+                          <a:cs typeface="Times New Roman" panose="02020603050405020304" pitchFamily="18" charset="0"/>
+                        </a:rPr>
+                        <m:t>𝐸</m:t>
+                      </m:r>
+                      <m:r>
+                        <a:rPr lang="en-US" sz="1800" i="1" smtClean="0">
+                          <a:effectLst/>
+                          <a:latin typeface="Cambria Math" panose="02040503050406030204" pitchFamily="18" charset="0"/>
+                          <a:ea typeface="Calibri" panose="020F0502020204030204" pitchFamily="34" charset="0"/>
+                          <a:cs typeface="Times New Roman" panose="02020603050405020304" pitchFamily="18" charset="0"/>
+                        </a:rPr>
+                        <m:t>[</m:t>
+                      </m:r>
+                      <m:r>
+                        <a:rPr lang="en-US" sz="1800" i="1" smtClean="0">
+                          <a:effectLst/>
+                          <a:latin typeface="Cambria Math" panose="02040503050406030204" pitchFamily="18" charset="0"/>
+                          <a:ea typeface="Calibri" panose="020F0502020204030204" pitchFamily="34" charset="0"/>
+                          <a:cs typeface="Times New Roman" panose="02020603050405020304" pitchFamily="18" charset="0"/>
+                        </a:rPr>
+                        <m:t>𝑁𝑉𝐶</m:t>
+                      </m:r>
+                      <m:r>
+                        <a:rPr lang="en-US" sz="1800" i="1" smtClean="0">
+                          <a:effectLst/>
+                          <a:latin typeface="Cambria Math" panose="02040503050406030204" pitchFamily="18" charset="0"/>
+                          <a:ea typeface="Calibri" panose="020F0502020204030204" pitchFamily="34" charset="0"/>
+                          <a:cs typeface="Times New Roman" panose="02020603050405020304" pitchFamily="18" charset="0"/>
+                        </a:rPr>
+                        <m:t>]=</m:t>
+                      </m:r>
+                      <m:nary>
+                        <m:naryPr>
+                          <m:chr m:val="∑"/>
+                          <m:limLoc m:val="undOvr"/>
+                          <m:subHide m:val="on"/>
+                          <m:supHide m:val="on"/>
+                          <m:ctrlPr>
+                            <a:rPr lang="en-US" sz="1800" i="1">
+                              <a:effectLst/>
+                              <a:latin typeface="Cambria Math" panose="02040503050406030204" pitchFamily="18" charset="0"/>
+                              <a:ea typeface="Calibri" panose="020F0502020204030204" pitchFamily="34" charset="0"/>
+                              <a:cs typeface="Times New Roman" panose="02020603050405020304" pitchFamily="18" charset="0"/>
+                            </a:rPr>
+                          </m:ctrlPr>
+                        </m:naryPr>
+                        <m:sub/>
+                        <m:sup/>
+                        <m:e>
+                          <m:sSub>
+                            <m:sSubPr>
+                              <m:ctrlPr>
+                                <a:rPr lang="en-US" sz="1800" i="1">
+                                  <a:effectLst/>
+                                  <a:latin typeface="Cambria Math" panose="02040503050406030204" pitchFamily="18" charset="0"/>
+                                  <a:ea typeface="Calibri" panose="020F0502020204030204" pitchFamily="34" charset="0"/>
+                                  <a:cs typeface="Times New Roman" panose="02020603050405020304" pitchFamily="18" charset="0"/>
+                                </a:rPr>
+                              </m:ctrlPr>
+                            </m:sSubPr>
+                            <m:e>
+                              <m:r>
+                                <a:rPr lang="en-US" sz="1800" i="1">
+                                  <a:effectLst/>
+                                  <a:latin typeface="Cambria Math" panose="02040503050406030204" pitchFamily="18" charset="0"/>
+                                  <a:ea typeface="Calibri" panose="020F0502020204030204" pitchFamily="34" charset="0"/>
+                                  <a:cs typeface="Times New Roman" panose="02020603050405020304" pitchFamily="18" charset="0"/>
+                                </a:rPr>
+                                <m:t>𝐵𝑃</m:t>
+                              </m:r>
+                            </m:e>
+                            <m:sub>
+                              <m:r>
+                                <a:rPr lang="en-US" sz="1800" i="1">
+                                  <a:effectLst/>
+                                  <a:latin typeface="Cambria Math" panose="02040503050406030204" pitchFamily="18" charset="0"/>
+                                  <a:ea typeface="Calibri" panose="020F0502020204030204" pitchFamily="34" charset="0"/>
+                                  <a:cs typeface="Times New Roman" panose="02020603050405020304" pitchFamily="18" charset="0"/>
+                                </a:rPr>
+                                <m:t>𝑖</m:t>
+                              </m:r>
+                            </m:sub>
+                          </m:sSub>
+                          <m:sSub>
+                            <m:sSubPr>
+                              <m:ctrlPr>
+                                <a:rPr lang="en-US" sz="1800" i="1">
+                                  <a:effectLst/>
+                                  <a:latin typeface="Cambria Math" panose="02040503050406030204" pitchFamily="18" charset="0"/>
+                                  <a:ea typeface="Calibri" panose="020F0502020204030204" pitchFamily="34" charset="0"/>
+                                  <a:cs typeface="Times New Roman" panose="02020603050405020304" pitchFamily="18" charset="0"/>
+                                </a:rPr>
+                              </m:ctrlPr>
+                            </m:sSubPr>
+                            <m:e>
+                              <m:r>
+                                <a:rPr lang="en-US" sz="1800" i="1">
+                                  <a:effectLst/>
+                                  <a:latin typeface="Cambria Math" panose="02040503050406030204" pitchFamily="18" charset="0"/>
+                                  <a:ea typeface="Calibri" panose="020F0502020204030204" pitchFamily="34" charset="0"/>
+                                  <a:cs typeface="Times New Roman" panose="02020603050405020304" pitchFamily="18" charset="0"/>
+                                </a:rPr>
+                                <m:t>𝑅𝐹</m:t>
+                              </m:r>
+                            </m:e>
+                            <m:sub>
+                              <m:r>
+                                <a:rPr lang="en-US" sz="1800" i="1">
+                                  <a:effectLst/>
+                                  <a:latin typeface="Cambria Math" panose="02040503050406030204" pitchFamily="18" charset="0"/>
+                                  <a:ea typeface="Calibri" panose="020F0502020204030204" pitchFamily="34" charset="0"/>
+                                  <a:cs typeface="Times New Roman" panose="02020603050405020304" pitchFamily="18" charset="0"/>
+                                </a:rPr>
+                                <m:t>𝑗</m:t>
+                              </m:r>
+                            </m:sub>
+                          </m:sSub>
+                          <m:d>
+                            <m:dPr>
+                              <m:ctrlPr>
+                                <a:rPr lang="en-US" sz="1800" i="1">
+                                  <a:effectLst/>
+                                  <a:latin typeface="Cambria Math" panose="02040503050406030204" pitchFamily="18" charset="0"/>
+                                  <a:ea typeface="Calibri" panose="020F0502020204030204" pitchFamily="34" charset="0"/>
+                                  <a:cs typeface="Times New Roman" panose="02020603050405020304" pitchFamily="18" charset="0"/>
+                                </a:rPr>
+                              </m:ctrlPr>
+                            </m:dPr>
+                            <m:e>
+                              <m:r>
+                                <a:rPr lang="en-US" sz="1800" i="1">
+                                  <a:effectLst/>
+                                  <a:latin typeface="Cambria Math" panose="02040503050406030204" pitchFamily="18" charset="0"/>
+                                  <a:ea typeface="Calibri" panose="020F0502020204030204" pitchFamily="34" charset="0"/>
+                                  <a:cs typeface="Times New Roman" panose="02020603050405020304" pitchFamily="18" charset="0"/>
+                                </a:rPr>
+                                <m:t>𝑖</m:t>
+                              </m:r>
+                              <m:r>
+                                <a:rPr lang="en-US" sz="1800" i="1">
+                                  <a:effectLst/>
+                                  <a:latin typeface="Cambria Math" panose="02040503050406030204" pitchFamily="18" charset="0"/>
+                                  <a:ea typeface="Calibri" panose="020F0502020204030204" pitchFamily="34" charset="0"/>
+                                  <a:cs typeface="Times New Roman" panose="02020603050405020304" pitchFamily="18" charset="0"/>
+                                </a:rPr>
+                                <m:t>, </m:t>
+                              </m:r>
+                              <m:sSub>
+                                <m:sSubPr>
+                                  <m:ctrlPr>
+                                    <a:rPr lang="en-US" sz="1800" i="1">
+                                      <a:effectLst/>
+                                      <a:latin typeface="Cambria Math" panose="02040503050406030204" pitchFamily="18" charset="0"/>
+                                      <a:ea typeface="Calibri" panose="020F0502020204030204" pitchFamily="34" charset="0"/>
+                                      <a:cs typeface="Times New Roman" panose="02020603050405020304" pitchFamily="18" charset="0"/>
+                                    </a:rPr>
+                                  </m:ctrlPr>
+                                </m:sSubPr>
+                                <m:e>
+                                  <m:r>
+                                    <a:rPr lang="en-US" sz="1800" i="1">
+                                      <a:effectLst/>
+                                      <a:latin typeface="Cambria Math" panose="02040503050406030204" pitchFamily="18" charset="0"/>
+                                      <a:ea typeface="Calibri" panose="020F0502020204030204" pitchFamily="34" charset="0"/>
+                                      <a:cs typeface="Times New Roman" panose="02020603050405020304" pitchFamily="18" charset="0"/>
+                                    </a:rPr>
+                                    <m:t>𝑋</m:t>
+                                  </m:r>
+                                </m:e>
+                                <m:sub>
+                                  <m:r>
+                                    <a:rPr lang="en-US" sz="1800" i="1">
+                                      <a:effectLst/>
+                                      <a:latin typeface="Cambria Math" panose="02040503050406030204" pitchFamily="18" charset="0"/>
+                                      <a:ea typeface="Calibri" panose="020F0502020204030204" pitchFamily="34" charset="0"/>
+                                      <a:cs typeface="Times New Roman" panose="02020603050405020304" pitchFamily="18" charset="0"/>
+                                    </a:rPr>
+                                    <m:t>𝑗</m:t>
+                                  </m:r>
+                                </m:sub>
+                              </m:sSub>
+                            </m:e>
+                          </m:d>
+                        </m:e>
+                      </m:nary>
+                    </m:oMath>
+                  </m:oMathPara>
+                </a14:m>
+                <a:endParaRPr lang="en-US" sz="1800" dirty="0">
+                  <a:effectLst/>
+                  <a:latin typeface="Calibri" panose="020F0502020204030204" pitchFamily="34" charset="0"/>
+                  <a:ea typeface="Calibri" panose="020F0502020204030204" pitchFamily="34" charset="0"/>
+                  <a:cs typeface="Times New Roman" panose="02020603050405020304" pitchFamily="18" charset="0"/>
+                </a:endParaRPr>
+              </a:p>
+              <a:p>
+                <a:pPr marL="0" marR="0">
+                  <a:lnSpc>
+                    <a:spcPct val="107000"/>
+                  </a:lnSpc>
+                  <a:spcBef>
+                    <a:spcPts val="0"/>
+                  </a:spcBef>
+                  <a:spcAft>
+                    <a:spcPts val="800"/>
+                  </a:spcAft>
+                </a:pPr>
+                <a:r>
+                  <a:rPr lang="en-US" sz="1800" dirty="0">
+                    <a:effectLst/>
+                    <a:latin typeface="Calibri" panose="020F0502020204030204" pitchFamily="34" charset="0"/>
+                    <a:ea typeface="Yu Mincho" panose="02020400000000000000" pitchFamily="18" charset="-128"/>
+                    <a:cs typeface="Times New Roman" panose="02020603050405020304" pitchFamily="18" charset="0"/>
+                  </a:rPr>
+                  <a:t>		The expected net value change to resource j</a:t>
+                </a:r>
+                <a:endParaRPr lang="en-US" sz="1800" dirty="0">
+                  <a:effectLst/>
+                  <a:latin typeface="Calibri" panose="020F0502020204030204" pitchFamily="34" charset="0"/>
+                  <a:ea typeface="Calibri" panose="020F0502020204030204" pitchFamily="34" charset="0"/>
+                  <a:cs typeface="Times New Roman" panose="02020603050405020304" pitchFamily="18" charset="0"/>
+                </a:endParaRPr>
+              </a:p>
+              <a:p>
+                <a:pPr marL="0" marR="0">
+                  <a:lnSpc>
+                    <a:spcPct val="107000"/>
+                  </a:lnSpc>
+                  <a:spcBef>
+                    <a:spcPts val="0"/>
+                  </a:spcBef>
+                  <a:spcAft>
+                    <a:spcPts val="800"/>
+                  </a:spcAft>
+                </a:pPr>
+                <a:r>
+                  <a:rPr lang="en-US" sz="1800" dirty="0">
+                    <a:effectLst/>
+                    <a:latin typeface="Calibri" panose="020F0502020204030204" pitchFamily="34" charset="0"/>
+                    <a:ea typeface="Yu Mincho" panose="02020400000000000000" pitchFamily="18" charset="-128"/>
+                    <a:cs typeface="Times New Roman" panose="02020603050405020304" pitchFamily="18" charset="0"/>
+                  </a:rPr>
+                  <a:t>		RF = response function for resource j as a function of fire intensity</a:t>
+                </a:r>
+                <a:endParaRPr lang="en-US" sz="1800" dirty="0">
+                  <a:effectLst/>
+                  <a:latin typeface="Calibri" panose="020F0502020204030204" pitchFamily="34" charset="0"/>
+                  <a:ea typeface="Calibri" panose="020F0502020204030204" pitchFamily="34" charset="0"/>
+                  <a:cs typeface="Times New Roman" panose="02020603050405020304" pitchFamily="18" charset="0"/>
+                </a:endParaRPr>
+              </a:p>
+              <a:p>
+                <a:pPr marL="0" marR="0">
+                  <a:lnSpc>
+                    <a:spcPct val="107000"/>
+                  </a:lnSpc>
+                  <a:spcBef>
+                    <a:spcPts val="0"/>
+                  </a:spcBef>
+                  <a:spcAft>
+                    <a:spcPts val="800"/>
+                  </a:spcAft>
+                </a:pPr>
+                <a:r>
+                  <a:rPr lang="en-US" sz="1800" dirty="0">
+                    <a:effectLst/>
+                    <a:latin typeface="Calibri" panose="020F0502020204030204" pitchFamily="34" charset="0"/>
+                    <a:ea typeface="Yu Mincho" panose="02020400000000000000" pitchFamily="18" charset="-128"/>
+                    <a:cs typeface="Times New Roman" panose="02020603050405020304" pitchFamily="18" charset="0"/>
+                  </a:rPr>
+                  <a:t>		BP = burn probability:	</a:t>
+                </a:r>
+                <a:endParaRPr lang="en-US" sz="1800" dirty="0">
+                  <a:effectLst/>
+                  <a:latin typeface="Calibri" panose="020F0502020204030204" pitchFamily="34" charset="0"/>
+                  <a:ea typeface="Calibri" panose="020F0502020204030204" pitchFamily="34" charset="0"/>
+                  <a:cs typeface="Times New Roman" panose="02020603050405020304" pitchFamily="18" charset="0"/>
+                </a:endParaRPr>
+              </a:p>
+              <a:p>
+                <a:pPr marL="0" marR="0">
+                  <a:lnSpc>
+                    <a:spcPct val="107000"/>
+                  </a:lnSpc>
+                  <a:spcBef>
+                    <a:spcPts val="0"/>
+                  </a:spcBef>
+                  <a:spcAft>
+                    <a:spcPts val="800"/>
+                  </a:spcAft>
+                </a:pPr>
+                <a:r>
+                  <a:rPr lang="en-US" sz="1800" dirty="0">
+                    <a:effectLst/>
+                    <a:latin typeface="Calibri" panose="020F0502020204030204" pitchFamily="34" charset="0"/>
+                    <a:ea typeface="Yu Mincho" panose="02020400000000000000" pitchFamily="18" charset="-128"/>
+                    <a:cs typeface="Times New Roman" panose="02020603050405020304" pitchFamily="18" charset="0"/>
+                  </a:rPr>
+                  <a:t>		The probability that a wildfire will burn a given point during a given time</a:t>
+                </a:r>
+                <a:endParaRPr lang="en-US" sz="800" dirty="0">
+                  <a:effectLst/>
+                  <a:latin typeface="Calibri" panose="020F0502020204030204" pitchFamily="34" charset="0"/>
+                  <a:ea typeface="Calibri" panose="020F0502020204030204" pitchFamily="34" charset="0"/>
+                  <a:cs typeface="Times New Roman" panose="02020603050405020304" pitchFamily="18" charset="0"/>
+                </a:endParaRPr>
+              </a:p>
+              <a:p>
+                <a:pPr marL="0" marR="0">
+                  <a:lnSpc>
+                    <a:spcPct val="107000"/>
+                  </a:lnSpc>
+                  <a:spcBef>
+                    <a:spcPts val="0"/>
+                  </a:spcBef>
+                  <a:spcAft>
+                    <a:spcPts val="800"/>
+                  </a:spcAft>
+                </a:pPr>
+                <a:r>
+                  <a:rPr lang="en-US" sz="1800" dirty="0">
+                    <a:effectLst/>
+                    <a:latin typeface="Calibri" panose="020F0502020204030204" pitchFamily="34" charset="0"/>
+                    <a:ea typeface="Yu Mincho" panose="02020400000000000000" pitchFamily="18" charset="-128"/>
+                    <a:cs typeface="Times New Roman" panose="02020603050405020304" pitchFamily="18" charset="0"/>
+                  </a:rPr>
+                  <a:t>		RI = Relative importance</a:t>
+                </a:r>
+                <a:endParaRPr lang="en-US" sz="1800" dirty="0">
+                  <a:effectLst/>
+                  <a:latin typeface="Calibri" panose="020F0502020204030204" pitchFamily="34" charset="0"/>
+                  <a:ea typeface="Calibri" panose="020F0502020204030204" pitchFamily="34" charset="0"/>
+                  <a:cs typeface="Times New Roman" panose="02020603050405020304" pitchFamily="18" charset="0"/>
+                </a:endParaRPr>
+              </a:p>
+              <a:p>
+                <a:pPr marL="0" marR="0" indent="0">
+                  <a:lnSpc>
+                    <a:spcPct val="107000"/>
+                  </a:lnSpc>
+                  <a:spcBef>
+                    <a:spcPts val="0"/>
+                  </a:spcBef>
+                  <a:spcAft>
+                    <a:spcPts val="800"/>
+                  </a:spcAft>
+                  <a:buNone/>
+                </a:pPr>
+                <a14:m>
+                  <m:oMathPara xmlns:m="http://schemas.openxmlformats.org/officeDocument/2006/math">
+                    <m:oMathParaPr>
+                      <m:jc m:val="centerGroup"/>
+                    </m:oMathParaPr>
+                    <m:oMath xmlns:m="http://schemas.openxmlformats.org/officeDocument/2006/math">
+                      <m:r>
+                        <a:rPr lang="en-US" sz="1800" i="1" smtClean="0">
+                          <a:effectLst/>
+                          <a:latin typeface="Cambria Math" panose="02040503050406030204" pitchFamily="18" charset="0"/>
+                          <a:ea typeface="Yu Mincho" panose="02020400000000000000" pitchFamily="18" charset="-128"/>
+                          <a:cs typeface="Times New Roman" panose="02020603050405020304" pitchFamily="18" charset="0"/>
+                        </a:rPr>
+                        <m:t>𝐸</m:t>
+                      </m:r>
+                      <m:d>
+                        <m:dPr>
+                          <m:begChr m:val="["/>
+                          <m:endChr m:val="]"/>
+                          <m:ctrlPr>
+                            <a:rPr lang="en-US" sz="1800" i="1">
+                              <a:effectLst/>
+                              <a:latin typeface="Cambria Math" panose="02040503050406030204" pitchFamily="18" charset="0"/>
+                              <a:ea typeface="Yu Mincho" panose="02020400000000000000" pitchFamily="18" charset="-128"/>
+                              <a:cs typeface="Times New Roman" panose="02020603050405020304" pitchFamily="18" charset="0"/>
+                            </a:rPr>
+                          </m:ctrlPr>
+                        </m:dPr>
+                        <m:e>
+                          <m:r>
+                            <a:rPr lang="en-US" sz="1800" i="1">
+                              <a:effectLst/>
+                              <a:latin typeface="Cambria Math" panose="02040503050406030204" pitchFamily="18" charset="0"/>
+                              <a:ea typeface="Yu Mincho" panose="02020400000000000000" pitchFamily="18" charset="-128"/>
+                              <a:cs typeface="Times New Roman" panose="02020603050405020304" pitchFamily="18" charset="0"/>
+                            </a:rPr>
+                            <m:t>𝑤𝑁𝑉𝐶</m:t>
+                          </m:r>
+                        </m:e>
+                      </m:d>
+                      <m:r>
+                        <a:rPr lang="en-US" sz="1800" i="1">
+                          <a:effectLst/>
+                          <a:latin typeface="Cambria Math" panose="02040503050406030204" pitchFamily="18" charset="0"/>
+                          <a:ea typeface="Yu Mincho" panose="02020400000000000000" pitchFamily="18" charset="-128"/>
+                          <a:cs typeface="Times New Roman" panose="02020603050405020304" pitchFamily="18" charset="0"/>
+                        </a:rPr>
+                        <m:t>= </m:t>
+                      </m:r>
+                      <m:nary>
+                        <m:naryPr>
+                          <m:chr m:val="∑"/>
+                          <m:limLoc m:val="undOvr"/>
+                          <m:supHide m:val="on"/>
+                          <m:ctrlPr>
+                            <a:rPr lang="en-US" sz="1800" i="1">
+                              <a:effectLst/>
+                              <a:latin typeface="Cambria Math" panose="02040503050406030204" pitchFamily="18" charset="0"/>
+                              <a:ea typeface="Yu Mincho" panose="02020400000000000000" pitchFamily="18" charset="-128"/>
+                              <a:cs typeface="Times New Roman" panose="02020603050405020304" pitchFamily="18" charset="0"/>
+                            </a:rPr>
+                          </m:ctrlPr>
+                        </m:naryPr>
+                        <m:sub>
+                          <m:r>
+                            <a:rPr lang="en-US" sz="1800" i="1">
+                              <a:effectLst/>
+                              <a:latin typeface="Cambria Math" panose="02040503050406030204" pitchFamily="18" charset="0"/>
+                              <a:ea typeface="Yu Mincho" panose="02020400000000000000" pitchFamily="18" charset="-128"/>
+                              <a:cs typeface="Times New Roman" panose="02020603050405020304" pitchFamily="18" charset="0"/>
+                            </a:rPr>
+                            <m:t>𝑖</m:t>
+                          </m:r>
+                        </m:sub>
+                        <m:sup/>
+                        <m:e>
+                          <m:nary>
+                            <m:naryPr>
+                              <m:chr m:val="∑"/>
+                              <m:limLoc m:val="undOvr"/>
+                              <m:supHide m:val="on"/>
+                              <m:ctrlPr>
+                                <a:rPr lang="en-US" sz="1800" i="1">
+                                  <a:effectLst/>
+                                  <a:latin typeface="Cambria Math" panose="02040503050406030204" pitchFamily="18" charset="0"/>
+                                  <a:ea typeface="Yu Mincho" panose="02020400000000000000" pitchFamily="18" charset="-128"/>
+                                  <a:cs typeface="Times New Roman" panose="02020603050405020304" pitchFamily="18" charset="0"/>
+                                </a:rPr>
+                              </m:ctrlPr>
+                            </m:naryPr>
+                            <m:sub>
+                              <m:r>
+                                <a:rPr lang="en-US" sz="1800" i="1">
+                                  <a:effectLst/>
+                                  <a:latin typeface="Cambria Math" panose="02040503050406030204" pitchFamily="18" charset="0"/>
+                                  <a:ea typeface="Yu Mincho" panose="02020400000000000000" pitchFamily="18" charset="-128"/>
+                                  <a:cs typeface="Times New Roman" panose="02020603050405020304" pitchFamily="18" charset="0"/>
+                                </a:rPr>
+                                <m:t>𝑖</m:t>
+                              </m:r>
+                            </m:sub>
+                            <m:sup/>
+                            <m:e>
+                              <m:d>
+                                <m:dPr>
+                                  <m:ctrlPr>
+                                    <a:rPr lang="en-US" sz="1800" i="1">
+                                      <a:effectLst/>
+                                      <a:latin typeface="Cambria Math" panose="02040503050406030204" pitchFamily="18" charset="0"/>
+                                      <a:ea typeface="Yu Mincho" panose="02020400000000000000" pitchFamily="18" charset="-128"/>
+                                      <a:cs typeface="Times New Roman" panose="02020603050405020304" pitchFamily="18" charset="0"/>
+                                    </a:rPr>
+                                  </m:ctrlPr>
+                                </m:dPr>
+                                <m:e>
+                                  <m:sSub>
+                                    <m:sSubPr>
+                                      <m:ctrlPr>
+                                        <a:rPr lang="en-US" sz="1800" i="1">
+                                          <a:effectLst/>
+                                          <a:latin typeface="Cambria Math" panose="02040503050406030204" pitchFamily="18" charset="0"/>
+                                          <a:ea typeface="Yu Mincho" panose="02020400000000000000" pitchFamily="18" charset="-128"/>
+                                          <a:cs typeface="Times New Roman" panose="02020603050405020304" pitchFamily="18" charset="0"/>
+                                        </a:rPr>
+                                      </m:ctrlPr>
+                                    </m:sSubPr>
+                                    <m:e>
+                                      <m:r>
+                                        <a:rPr lang="en-US" sz="1800" i="1">
+                                          <a:effectLst/>
+                                          <a:latin typeface="Cambria Math" panose="02040503050406030204" pitchFamily="18" charset="0"/>
+                                          <a:ea typeface="Yu Mincho" panose="02020400000000000000" pitchFamily="18" charset="-128"/>
+                                          <a:cs typeface="Times New Roman" panose="02020603050405020304" pitchFamily="18" charset="0"/>
+                                        </a:rPr>
+                                        <m:t>𝐵𝑃</m:t>
+                                      </m:r>
+                                    </m:e>
+                                    <m:sub>
+                                      <m:r>
+                                        <a:rPr lang="en-US" sz="1800" i="1">
+                                          <a:effectLst/>
+                                          <a:latin typeface="Cambria Math" panose="02040503050406030204" pitchFamily="18" charset="0"/>
+                                          <a:ea typeface="Yu Mincho" panose="02020400000000000000" pitchFamily="18" charset="-128"/>
+                                          <a:cs typeface="Times New Roman" panose="02020603050405020304" pitchFamily="18" charset="0"/>
+                                        </a:rPr>
+                                        <m:t>𝑖</m:t>
+                                      </m:r>
+                                    </m:sub>
+                                  </m:sSub>
+                                  <m:r>
+                                    <a:rPr lang="en-US" sz="1800" i="1">
+                                      <a:effectLst/>
+                                      <a:latin typeface="Cambria Math" panose="02040503050406030204" pitchFamily="18" charset="0"/>
+                                      <a:ea typeface="Yu Mincho" panose="02020400000000000000" pitchFamily="18" charset="-128"/>
+                                      <a:cs typeface="Times New Roman" panose="02020603050405020304" pitchFamily="18" charset="0"/>
+                                    </a:rPr>
+                                    <m:t>∗</m:t>
+                                  </m:r>
+                                  <m:sSub>
+                                    <m:sSubPr>
+                                      <m:ctrlPr>
+                                        <a:rPr lang="en-US" sz="1800" i="1">
+                                          <a:effectLst/>
+                                          <a:latin typeface="Cambria Math" panose="02040503050406030204" pitchFamily="18" charset="0"/>
+                                          <a:ea typeface="Yu Mincho" panose="02020400000000000000" pitchFamily="18" charset="-128"/>
+                                          <a:cs typeface="Times New Roman" panose="02020603050405020304" pitchFamily="18" charset="0"/>
+                                        </a:rPr>
+                                      </m:ctrlPr>
+                                    </m:sSubPr>
+                                    <m:e>
+                                      <m:r>
+                                        <a:rPr lang="en-US" sz="1800" i="1">
+                                          <a:effectLst/>
+                                          <a:latin typeface="Cambria Math" panose="02040503050406030204" pitchFamily="18" charset="0"/>
+                                          <a:ea typeface="Yu Mincho" panose="02020400000000000000" pitchFamily="18" charset="-128"/>
+                                          <a:cs typeface="Times New Roman" panose="02020603050405020304" pitchFamily="18" charset="0"/>
+                                        </a:rPr>
+                                        <m:t>𝑁𝑉𝐶</m:t>
+                                      </m:r>
+                                    </m:e>
+                                    <m:sub>
+                                      <m:r>
+                                        <a:rPr lang="en-US" sz="1800" i="1">
+                                          <a:effectLst/>
+                                          <a:latin typeface="Cambria Math" panose="02040503050406030204" pitchFamily="18" charset="0"/>
+                                          <a:ea typeface="Yu Mincho" panose="02020400000000000000" pitchFamily="18" charset="-128"/>
+                                          <a:cs typeface="Times New Roman" panose="02020603050405020304" pitchFamily="18" charset="0"/>
+                                        </a:rPr>
+                                        <m:t>𝑖𝑗</m:t>
+                                      </m:r>
+                                    </m:sub>
+                                  </m:sSub>
+                                  <m:r>
+                                    <a:rPr lang="en-US" sz="1800" i="1">
+                                      <a:effectLst/>
+                                      <a:latin typeface="Cambria Math" panose="02040503050406030204" pitchFamily="18" charset="0"/>
+                                      <a:ea typeface="Yu Mincho" panose="02020400000000000000" pitchFamily="18" charset="-128"/>
+                                      <a:cs typeface="Times New Roman" panose="02020603050405020304" pitchFamily="18" charset="0"/>
+                                    </a:rPr>
+                                    <m:t>∗</m:t>
+                                  </m:r>
+                                  <m:f>
+                                    <m:fPr>
+                                      <m:ctrlPr>
+                                        <a:rPr lang="en-US" sz="1800" i="1">
+                                          <a:effectLst/>
+                                          <a:latin typeface="Cambria Math" panose="02040503050406030204" pitchFamily="18" charset="0"/>
+                                          <a:ea typeface="Yu Mincho" panose="02020400000000000000" pitchFamily="18" charset="-128"/>
+                                          <a:cs typeface="Times New Roman" panose="02020603050405020304" pitchFamily="18" charset="0"/>
+                                        </a:rPr>
+                                      </m:ctrlPr>
+                                    </m:fPr>
+                                    <m:num>
+                                      <m:sSub>
+                                        <m:sSubPr>
+                                          <m:ctrlPr>
+                                            <a:rPr lang="en-US" sz="1800" i="1">
+                                              <a:effectLst/>
+                                              <a:latin typeface="Cambria Math" panose="02040503050406030204" pitchFamily="18" charset="0"/>
+                                              <a:ea typeface="Yu Mincho" panose="02020400000000000000" pitchFamily="18" charset="-128"/>
+                                              <a:cs typeface="Times New Roman" panose="02020603050405020304" pitchFamily="18" charset="0"/>
+                                            </a:rPr>
+                                          </m:ctrlPr>
+                                        </m:sSubPr>
+                                        <m:e>
+                                          <m:r>
+                                            <a:rPr lang="en-US" sz="1800" i="1">
+                                              <a:effectLst/>
+                                              <a:latin typeface="Cambria Math" panose="02040503050406030204" pitchFamily="18" charset="0"/>
+                                              <a:ea typeface="Yu Mincho" panose="02020400000000000000" pitchFamily="18" charset="-128"/>
+                                              <a:cs typeface="Times New Roman" panose="02020603050405020304" pitchFamily="18" charset="0"/>
+                                            </a:rPr>
+                                            <m:t>𝑅𝐼</m:t>
+                                          </m:r>
+                                        </m:e>
+                                        <m:sub>
+                                          <m:r>
+                                            <a:rPr lang="en-US" sz="1800" i="1">
+                                              <a:effectLst/>
+                                              <a:latin typeface="Cambria Math" panose="02040503050406030204" pitchFamily="18" charset="0"/>
+                                              <a:ea typeface="Yu Mincho" panose="02020400000000000000" pitchFamily="18" charset="-128"/>
+                                              <a:cs typeface="Times New Roman" panose="02020603050405020304" pitchFamily="18" charset="0"/>
+                                            </a:rPr>
+                                            <m:t>𝑗</m:t>
+                                          </m:r>
+                                        </m:sub>
+                                      </m:sSub>
+                                    </m:num>
+                                    <m:den>
+                                      <m:sSub>
+                                        <m:sSubPr>
+                                          <m:ctrlPr>
+                                            <a:rPr lang="en-US" sz="1800" i="1">
+                                              <a:effectLst/>
+                                              <a:latin typeface="Cambria Math" panose="02040503050406030204" pitchFamily="18" charset="0"/>
+                                              <a:ea typeface="Yu Mincho" panose="02020400000000000000" pitchFamily="18" charset="-128"/>
+                                              <a:cs typeface="Times New Roman" panose="02020603050405020304" pitchFamily="18" charset="0"/>
+                                            </a:rPr>
+                                          </m:ctrlPr>
+                                        </m:sSubPr>
+                                        <m:e>
+                                          <m:r>
+                                            <a:rPr lang="en-US" sz="1800" i="1">
+                                              <a:effectLst/>
+                                              <a:latin typeface="Cambria Math" panose="02040503050406030204" pitchFamily="18" charset="0"/>
+                                              <a:ea typeface="Yu Mincho" panose="02020400000000000000" pitchFamily="18" charset="-128"/>
+                                              <a:cs typeface="Times New Roman" panose="02020603050405020304" pitchFamily="18" charset="0"/>
+                                            </a:rPr>
+                                            <m:t>𝑅𝐸</m:t>
+                                          </m:r>
+                                        </m:e>
+                                        <m:sub>
+                                          <m:r>
+                                            <a:rPr lang="en-US" sz="1800" i="1">
+                                              <a:effectLst/>
+                                              <a:latin typeface="Cambria Math" panose="02040503050406030204" pitchFamily="18" charset="0"/>
+                                              <a:ea typeface="Yu Mincho" panose="02020400000000000000" pitchFamily="18" charset="-128"/>
+                                              <a:cs typeface="Times New Roman" panose="02020603050405020304" pitchFamily="18" charset="0"/>
+                                            </a:rPr>
+                                            <m:t>𝑗</m:t>
+                                          </m:r>
+                                        </m:sub>
+                                      </m:sSub>
+                                    </m:den>
+                                  </m:f>
+                                </m:e>
+                              </m:d>
+                            </m:e>
+                          </m:nary>
+                        </m:e>
+                      </m:nary>
+                    </m:oMath>
+                  </m:oMathPara>
+                </a14:m>
+                <a:endParaRPr lang="en-US" sz="1800" dirty="0">
+                  <a:effectLst/>
+                  <a:latin typeface="Calibri" panose="020F0502020204030204" pitchFamily="34" charset="0"/>
+                  <a:ea typeface="Calibri" panose="020F0502020204030204" pitchFamily="34" charset="0"/>
+                  <a:cs typeface="Times New Roman" panose="02020603050405020304" pitchFamily="18" charset="0"/>
+                </a:endParaRPr>
+              </a:p>
+              <a:p>
+                <a:pPr marL="0" marR="0">
+                  <a:lnSpc>
+                    <a:spcPct val="107000"/>
+                  </a:lnSpc>
+                  <a:spcBef>
+                    <a:spcPts val="0"/>
+                  </a:spcBef>
+                  <a:spcAft>
+                    <a:spcPts val="800"/>
+                  </a:spcAft>
+                </a:pPr>
+                <a:r>
+                  <a:rPr lang="en-US" sz="1800" dirty="0">
+                    <a:effectLst/>
+                    <a:latin typeface="Calibri" panose="020F0502020204030204" pitchFamily="34" charset="0"/>
+                    <a:ea typeface="Yu Mincho" panose="02020400000000000000" pitchFamily="18" charset="-128"/>
+                    <a:cs typeface="Times New Roman" panose="02020603050405020304" pitchFamily="18" charset="0"/>
+                  </a:rPr>
+                  <a:t>		The weighted, expected net value change of a HVRAs.</a:t>
+                </a:r>
+                <a:endParaRPr lang="en-US" sz="1800" dirty="0">
+                  <a:effectLst/>
+                  <a:latin typeface="Calibri" panose="020F0502020204030204" pitchFamily="34" charset="0"/>
+                  <a:ea typeface="Calibri" panose="020F0502020204030204" pitchFamily="34" charset="0"/>
+                  <a:cs typeface="Times New Roman" panose="02020603050405020304" pitchFamily="18" charset="0"/>
+                </a:endParaRPr>
+              </a:p>
+              <a:p>
+                <a:pPr marL="0" marR="0">
+                  <a:lnSpc>
+                    <a:spcPct val="107000"/>
+                  </a:lnSpc>
+                  <a:spcBef>
+                    <a:spcPts val="0"/>
+                  </a:spcBef>
+                  <a:spcAft>
+                    <a:spcPts val="800"/>
+                  </a:spcAft>
+                </a:pPr>
+                <a:r>
+                  <a:rPr lang="en-US" sz="1800" dirty="0">
+                    <a:effectLst/>
+                    <a:latin typeface="Calibri" panose="020F0502020204030204" pitchFamily="34" charset="0"/>
+                    <a:ea typeface="Yu Mincho" panose="02020400000000000000" pitchFamily="18" charset="-128"/>
+                    <a:cs typeface="Times New Roman" panose="02020603050405020304" pitchFamily="18" charset="0"/>
+                  </a:rPr>
+                  <a:t>		More representative than the single equation</a:t>
+                </a:r>
+                <a:endParaRPr lang="en-US" sz="1800" dirty="0">
+                  <a:effectLst/>
+                  <a:latin typeface="Calibri" panose="020F0502020204030204" pitchFamily="34" charset="0"/>
+                  <a:ea typeface="Calibri" panose="020F0502020204030204" pitchFamily="34" charset="0"/>
+                  <a:cs typeface="Times New Roman" panose="02020603050405020304" pitchFamily="18" charset="0"/>
+                </a:endParaRPr>
+              </a:p>
+              <a:p>
+                <a:pPr marL="0" marR="0">
+                  <a:lnSpc>
+                    <a:spcPct val="107000"/>
+                  </a:lnSpc>
+                  <a:spcBef>
+                    <a:spcPts val="0"/>
+                  </a:spcBef>
+                  <a:spcAft>
+                    <a:spcPts val="800"/>
+                  </a:spcAft>
+                </a:pPr>
+                <a:r>
+                  <a:rPr lang="en-US" sz="1800" dirty="0">
+                    <a:effectLst/>
+                    <a:latin typeface="Calibri" panose="020F0502020204030204" pitchFamily="34" charset="0"/>
+                    <a:ea typeface="Yu Mincho" panose="02020400000000000000" pitchFamily="18" charset="-128"/>
+                    <a:cs typeface="Times New Roman" panose="02020603050405020304" pitchFamily="18" charset="0"/>
+                  </a:rPr>
+                  <a:t>		</a:t>
+                </a:r>
+                <a14:m>
+                  <m:oMath xmlns:m="http://schemas.openxmlformats.org/officeDocument/2006/math">
+                    <m:sSub>
+                      <m:sSubPr>
+                        <m:ctrlPr>
+                          <a:rPr lang="en-US" sz="1800" i="1">
+                            <a:effectLst/>
+                            <a:latin typeface="Cambria Math" panose="02040503050406030204" pitchFamily="18" charset="0"/>
+                            <a:ea typeface="Yu Mincho" panose="02020400000000000000" pitchFamily="18" charset="-128"/>
+                            <a:cs typeface="Times New Roman" panose="02020603050405020304" pitchFamily="18" charset="0"/>
+                          </a:rPr>
+                        </m:ctrlPr>
+                      </m:sSubPr>
+                      <m:e>
+                        <m:r>
+                          <a:rPr lang="en-US" sz="1800" i="1">
+                            <a:effectLst/>
+                            <a:latin typeface="Cambria Math" panose="02040503050406030204" pitchFamily="18" charset="0"/>
+                            <a:ea typeface="Yu Mincho" panose="02020400000000000000" pitchFamily="18" charset="-128"/>
+                            <a:cs typeface="Times New Roman" panose="02020603050405020304" pitchFamily="18" charset="0"/>
+                          </a:rPr>
+                          <m:t>𝑅𝐸</m:t>
+                        </m:r>
+                      </m:e>
+                      <m:sub>
+                        <m:r>
+                          <a:rPr lang="en-US" sz="1800" i="1">
+                            <a:effectLst/>
+                            <a:latin typeface="Cambria Math" panose="02040503050406030204" pitchFamily="18" charset="0"/>
+                            <a:ea typeface="Yu Mincho" panose="02020400000000000000" pitchFamily="18" charset="-128"/>
+                            <a:cs typeface="Times New Roman" panose="02020603050405020304" pitchFamily="18" charset="0"/>
+                          </a:rPr>
+                          <m:t>𝑗</m:t>
+                        </m:r>
+                      </m:sub>
+                    </m:sSub>
+                  </m:oMath>
+                </a14:m>
+                <a:r>
+                  <a:rPr lang="en-US" sz="1800" dirty="0">
+                    <a:effectLst/>
+                    <a:latin typeface="Calibri" panose="020F0502020204030204" pitchFamily="34" charset="0"/>
+                    <a:ea typeface="Yu Mincho" panose="02020400000000000000" pitchFamily="18" charset="-128"/>
+                    <a:cs typeface="Times New Roman" panose="02020603050405020304" pitchFamily="18" charset="0"/>
+                  </a:rPr>
+                  <a:t>= relative extent </a:t>
+                </a:r>
+                <a:endParaRPr lang="en-US" sz="1800" dirty="0">
+                  <a:effectLst/>
+                  <a:latin typeface="Calibri" panose="020F0502020204030204" pitchFamily="34" charset="0"/>
+                  <a:ea typeface="Calibri" panose="020F0502020204030204" pitchFamily="34" charset="0"/>
+                  <a:cs typeface="Times New Roman" panose="02020603050405020304" pitchFamily="18" charset="0"/>
+                </a:endParaRPr>
+              </a:p>
+              <a:p>
+                <a:endParaRPr lang="en-US" sz="1800" dirty="0">
+                  <a:effectLst/>
+                  <a:latin typeface="Calibri" panose="020F0502020204030204" pitchFamily="34" charset="0"/>
+                  <a:ea typeface="Calibri" panose="020F0502020204030204" pitchFamily="34" charset="0"/>
+                  <a:cs typeface="Times New Roman" panose="02020603050405020304" pitchFamily="18" charset="0"/>
+                </a:endParaRPr>
+              </a:p>
+            </p:txBody>
+          </p:sp>
+        </mc:Choice>
+        <mc:Fallback>
+          <p:sp>
+            <p:nvSpPr>
+              <p:cNvPr id="3" name="Content Placeholder 2">
+                <a:extLst>
+                  <a:ext uri="{FF2B5EF4-FFF2-40B4-BE49-F238E27FC236}">
+                    <a16:creationId xmlns:a16="http://schemas.microsoft.com/office/drawing/2014/main" id="{B69E2BC4-A66F-4EF3-94F5-CCE7E294F633}"/>
+                  </a:ext>
+                </a:extLst>
+              </p:cNvPr>
+              <p:cNvSpPr>
+                <a:spLocks noGrp="1" noRot="1" noChangeAspect="1" noMove="1" noResize="1" noEditPoints="1" noAdjustHandles="1" noChangeArrowheads="1" noChangeShapeType="1" noTextEdit="1"/>
+              </p:cNvSpPr>
+              <p:nvPr>
+                <p:ph idx="1"/>
+              </p:nvPr>
+            </p:nvSpPr>
+            <p:spPr>
+              <a:blipFill>
+                <a:blip r:embed="rId2"/>
+                <a:stretch>
+                  <a:fillRect l="-290"/>
+                </a:stretch>
+              </a:blipFill>
+            </p:spPr>
+            <p:txBody>
+              <a:bodyPr/>
+              <a:lstStyle/>
+              <a:p>
+                <a:r>
+                  <a:rPr lang="en-US">
+                    <a:noFill/>
+                  </a:rPr>
+                  <a:t> </a:t>
+                </a:r>
+              </a:p>
+            </p:txBody>
+          </p:sp>
+        </mc:Fallback>
+      </mc:AlternateContent>
     </p:spTree>
     <p:extLst>
       <p:ext uri="{BB962C8B-B14F-4D97-AF65-F5344CB8AC3E}">
-        <p14:creationId xmlns:p14="http://schemas.microsoft.com/office/powerpoint/2010/main" val="3003575040"/>
+        <p14:creationId xmlns:p14="http://schemas.microsoft.com/office/powerpoint/2010/main" val="20975022"/>
       </p:ext>
     </p:extLst>
   </p:cSld>
@@ -4286,38 +5522,80 @@
       </p:grpSpPr>
       <p:sp>
         <p:nvSpPr>
-          <p:cNvPr id="4" name="Title 3">
-            <a:extLst>
-              <a:ext uri="{FF2B5EF4-FFF2-40B4-BE49-F238E27FC236}">
-                <a16:creationId xmlns:a16="http://schemas.microsoft.com/office/drawing/2014/main" id="{472867FD-17D8-42C7-B81D-39C513BFF995}"/>
+          <p:cNvPr id="26" name="Rectangle 14">
+            <a:extLst>
+              <a:ext uri="{FF2B5EF4-FFF2-40B4-BE49-F238E27FC236}">
+                <a16:creationId xmlns:a16="http://schemas.microsoft.com/office/drawing/2014/main" id="{E8A8EAB8-D2FF-444D-B34B-7D32F106AD0E}"/>
+              </a:ext>
+              <a:ext uri="{C183D7F6-B498-43B3-948B-1728B52AA6E4}">
+                <adec:decorative xmlns:adec="http://schemas.microsoft.com/office/drawing/2017/decorative" val="1"/>
               </a:ext>
             </a:extLst>
           </p:cNvPr>
           <p:cNvSpPr>
-            <a:spLocks noGrp="1"/>
+            <a:spLocks noGrp="1" noRot="1" noChangeAspect="1" noMove="1" noResize="1" noEditPoints="1" noAdjustHandles="1" noChangeArrowheads="1" noChangeShapeType="1" noTextEdit="1"/>
           </p:cNvSpPr>
           <p:nvPr>
-            <p:ph type="title"/>
+            <p:extLst>
+              <p:ext uri="{386F3935-93C4-4BCD-93E2-E3B085C9AB24}">
+                <p16:designElem xmlns:p16="http://schemas.microsoft.com/office/powerpoint/2015/main" val="1"/>
+              </p:ext>
+            </p:extLst>
           </p:nvPr>
         </p:nvSpPr>
-        <p:spPr/>
+        <p:spPr>
+          <a:xfrm>
+            <a:off x="0" y="0"/>
+            <a:ext cx="12192000" cy="6858000"/>
+          </a:xfrm>
+          <a:prstGeom prst="rect">
+            <a:avLst/>
+          </a:prstGeom>
+          <a:solidFill>
+            <a:schemeClr val="tx1">
+              <a:lumMod val="95000"/>
+              <a:lumOff val="5000"/>
+            </a:schemeClr>
+          </a:solidFill>
+          <a:ln>
+            <a:noFill/>
+          </a:ln>
+        </p:spPr>
+        <p:style>
+          <a:lnRef idx="2">
+            <a:schemeClr val="accent1">
+              <a:shade val="50000"/>
+            </a:schemeClr>
+          </a:lnRef>
+          <a:fillRef idx="1">
+            <a:schemeClr val="accent1"/>
+          </a:fillRef>
+          <a:effectRef idx="0">
+            <a:schemeClr val="accent1"/>
+          </a:effectRef>
+          <a:fontRef idx="minor">
+            <a:schemeClr val="lt1"/>
+          </a:fontRef>
+        </p:style>
         <p:txBody>
-          <a:bodyPr/>
+          <a:bodyPr rtlCol="0" anchor="ctr"/>
           <a:lstStyle/>
           <a:p>
-            <a:r>
-              <a:rPr lang="en-US" dirty="0"/>
-              <a:t>Limitations</a:t>
-            </a:r>
+            <a:pPr algn="ctr"/>
+            <a:endParaRPr lang="en-US" dirty="0">
+              <a:solidFill>
+                <a:schemeClr val="bg1"/>
+              </a:solidFill>
+            </a:endParaRPr>
           </a:p>
         </p:txBody>
       </p:sp>
       <p:sp>
         <p:nvSpPr>
-          <p:cNvPr id="5" name="Content Placeholder 4">
-            <a:extLst>
-              <a:ext uri="{FF2B5EF4-FFF2-40B4-BE49-F238E27FC236}">
-                <a16:creationId xmlns:a16="http://schemas.microsoft.com/office/drawing/2014/main" id="{92C1D056-018D-4BB2-AA2A-25B1F4002147}"/>
+          <p:cNvPr id="5" name="Title 4">
+            <a:extLst>
+              <a:ext uri="{FF2B5EF4-FFF2-40B4-BE49-F238E27FC236}">
+                <a16:creationId xmlns:a16="http://schemas.microsoft.com/office/drawing/2014/main" id="{D7B466D7-6DB9-4A08-A8B1-B6759A5B1775}"/>
               </a:ext>
             </a:extLst>
           </p:cNvPr>
@@ -4325,24 +5603,90 @@
             <a:spLocks noGrp="1"/>
           </p:cNvSpPr>
           <p:nvPr>
-            <p:ph idx="1"/>
+            <p:ph type="title"/>
           </p:nvPr>
         </p:nvSpPr>
-        <p:spPr/>
+        <p:spPr>
+          <a:xfrm>
+            <a:off x="838200" y="448721"/>
+            <a:ext cx="4707671" cy="1225650"/>
+          </a:xfrm>
+        </p:spPr>
         <p:txBody>
-          <a:bodyPr/>
+          <a:bodyPr vert="horz" lIns="91440" tIns="45720" rIns="91440" bIns="45720" rtlCol="0" anchor="b">
+            <a:normAutofit/>
+          </a:bodyPr>
           <a:lstStyle/>
           <a:p>
-            <a:endParaRPr lang="en-US"/>
+            <a:r>
+              <a:rPr lang="en-US" sz="3800" dirty="0">
+                <a:solidFill>
+                  <a:schemeClr val="bg1"/>
+                </a:solidFill>
+              </a:rPr>
+              <a:t>Previous Wildfire History</a:t>
+            </a:r>
           </a:p>
         </p:txBody>
       </p:sp>
+      <p:cxnSp>
+        <p:nvCxnSpPr>
+          <p:cNvPr id="27" name="Straight Connector 16">
+            <a:extLst>
+              <a:ext uri="{FF2B5EF4-FFF2-40B4-BE49-F238E27FC236}">
+                <a16:creationId xmlns:a16="http://schemas.microsoft.com/office/drawing/2014/main" id="{EEA38897-7BA3-4408-8083-3235339C4A60}"/>
+              </a:ext>
+              <a:ext uri="{C183D7F6-B498-43B3-948B-1728B52AA6E4}">
+                <adec:decorative xmlns:adec="http://schemas.microsoft.com/office/drawing/2017/decorative" val="1"/>
+              </a:ext>
+            </a:extLst>
+          </p:cNvPr>
+          <p:cNvCxnSpPr>
+            <a:cxnSpLocks noGrp="1" noRot="1" noChangeAspect="1" noMove="1" noResize="1" noEditPoints="1" noAdjustHandles="1" noChangeArrowheads="1" noChangeShapeType="1"/>
+          </p:cNvCxnSpPr>
+          <p:nvPr>
+            <p:extLst>
+              <p:ext uri="{386F3935-93C4-4BCD-93E2-E3B085C9AB24}">
+                <p16:designElem xmlns:p16="http://schemas.microsoft.com/office/powerpoint/2015/main" val="1"/>
+              </p:ext>
+            </p:extLst>
+          </p:nvPr>
+        </p:nvCxnSpPr>
+        <p:spPr>
+          <a:xfrm flipH="1">
+            <a:off x="831873" y="1749756"/>
+            <a:ext cx="4718304" cy="0"/>
+          </a:xfrm>
+          <a:prstGeom prst="line">
+            <a:avLst/>
+          </a:prstGeom>
+          <a:ln w="12700">
+            <a:solidFill>
+              <a:schemeClr val="accent2"/>
+            </a:solidFill>
+          </a:ln>
+        </p:spPr>
+        <p:style>
+          <a:lnRef idx="1">
+            <a:schemeClr val="accent1"/>
+          </a:lnRef>
+          <a:fillRef idx="0">
+            <a:schemeClr val="accent1"/>
+          </a:fillRef>
+          <a:effectRef idx="0">
+            <a:schemeClr val="accent1"/>
+          </a:effectRef>
+          <a:fontRef idx="minor">
+            <a:schemeClr val="tx1"/>
+          </a:fontRef>
+        </p:style>
+      </p:cxnSp>
       <p:sp>
         <p:nvSpPr>
-          <p:cNvPr id="6" name="Text Placeholder 5">
-            <a:extLst>
-              <a:ext uri="{FF2B5EF4-FFF2-40B4-BE49-F238E27FC236}">
-                <a16:creationId xmlns:a16="http://schemas.microsoft.com/office/drawing/2014/main" id="{D3A61D72-AACC-469C-AD3C-6DAF55AEB330}"/>
+          <p:cNvPr id="2" name="Text Placeholder 1">
+            <a:extLst>
+              <a:ext uri="{FF2B5EF4-FFF2-40B4-BE49-F238E27FC236}">
+                <a16:creationId xmlns:a16="http://schemas.microsoft.com/office/drawing/2014/main" id="{21528A6D-5F3D-4605-A84F-8E894BE44A03}"/>
               </a:ext>
             </a:extLst>
           </p:cNvPr>
@@ -4353,43 +5697,227 @@
             <p:ph type="body" sz="half" idx="2"/>
           </p:nvPr>
         </p:nvSpPr>
-        <p:spPr/>
+        <p:spPr>
+          <a:xfrm>
+            <a:off x="897769" y="1909192"/>
+            <a:ext cx="4586513" cy="3647710"/>
+          </a:xfrm>
+        </p:spPr>
         <p:txBody>
-          <a:bodyPr/>
+          <a:bodyPr vert="horz" lIns="91440" tIns="45720" rIns="91440" bIns="45720" rtlCol="0">
+            <a:normAutofit/>
+          </a:bodyPr>
           <a:lstStyle/>
           <a:p>
-            <a:pPr marL="285750" indent="-285750">
+            <a:pPr marL="285750" indent="-228600">
               <a:buFont typeface="Arial" panose="020B0604020202020204" pitchFamily="34" charset="0"/>
               <a:buChar char="•"/>
             </a:pPr>
             <a:r>
-              <a:rPr lang="en-US" dirty="0"/>
-              <a:t>Climate Change</a:t>
-            </a:r>
-          </a:p>
-          <a:p>
-            <a:pPr marL="285750" indent="-285750">
+              <a:rPr lang="en-US" sz="2000" dirty="0">
+                <a:solidFill>
+                  <a:schemeClr val="bg1"/>
+                </a:solidFill>
+              </a:rPr>
+              <a:t>Number of Wildfires since 1992</a:t>
+            </a:r>
+          </a:p>
+          <a:p>
+            <a:pPr marL="285750" indent="-228600">
               <a:buFont typeface="Arial" panose="020B0604020202020204" pitchFamily="34" charset="0"/>
               <a:buChar char="•"/>
             </a:pPr>
             <a:r>
-              <a:rPr lang="en-US" dirty="0"/>
-              <a:t>Is the loss worth the premium?</a:t>
-            </a:r>
-          </a:p>
-          <a:p>
-            <a:pPr marL="285750" indent="-285750">
+              <a:rPr lang="en-US" sz="2000" dirty="0">
+                <a:solidFill>
+                  <a:schemeClr val="bg1"/>
+                </a:solidFill>
+              </a:rPr>
+              <a:t>Amount of Acreage burned since 2000</a:t>
+            </a:r>
+          </a:p>
+          <a:p>
+            <a:pPr marL="285750" indent="-228600">
               <a:buFont typeface="Arial" panose="020B0604020202020204" pitchFamily="34" charset="0"/>
               <a:buChar char="•"/>
             </a:pPr>
-            <a:endParaRPr lang="en-US" dirty="0"/>
+            <a:r>
+              <a:rPr lang="en-US" sz="2000" dirty="0">
+                <a:solidFill>
+                  <a:schemeClr val="bg1"/>
+                </a:solidFill>
+              </a:rPr>
+              <a:t>Likelihood of wildfire hazard via GIS</a:t>
+            </a:r>
+          </a:p>
+          <a:p>
+            <a:pPr marL="285750" indent="-228600">
+              <a:buFont typeface="Arial" panose="020B0604020202020204" pitchFamily="34" charset="0"/>
+              <a:buChar char="•"/>
+            </a:pPr>
+            <a:r>
+              <a:rPr lang="en-US" sz="2000" dirty="0">
+                <a:solidFill>
+                  <a:schemeClr val="bg1"/>
+                </a:solidFill>
+              </a:rPr>
+              <a:t>Lightning Strike History</a:t>
+            </a:r>
+          </a:p>
+          <a:p>
+            <a:pPr marL="742950" lvl="1" indent="-228600">
+              <a:buFont typeface="Arial" panose="020B0604020202020204" pitchFamily="34" charset="0"/>
+              <a:buChar char="•"/>
+            </a:pPr>
+            <a:r>
+              <a:rPr lang="en-US" sz="2000" dirty="0">
+                <a:solidFill>
+                  <a:schemeClr val="bg1"/>
+                </a:solidFill>
+              </a:rPr>
+              <a:t>NOAA</a:t>
+            </a:r>
+          </a:p>
+          <a:p>
+            <a:pPr marL="742950" lvl="1" indent="-228600">
+              <a:buFont typeface="Arial" panose="020B0604020202020204" pitchFamily="34" charset="0"/>
+              <a:buChar char="•"/>
+            </a:pPr>
+            <a:r>
+              <a:rPr lang="en-US" sz="2000" dirty="0">
+                <a:solidFill>
+                  <a:schemeClr val="bg1"/>
+                </a:solidFill>
+                <a:effectLst/>
+              </a:rPr>
+              <a:t>During these two months (July and August), 91% of the total fires were lightning caused (</a:t>
+            </a:r>
+            <a:r>
+              <a:rPr lang="en-US" sz="2000" dirty="0" err="1">
+                <a:solidFill>
+                  <a:schemeClr val="bg1"/>
+                </a:solidFill>
+                <a:effectLst/>
+              </a:rPr>
+              <a:t>Conedera</a:t>
+            </a:r>
+            <a:r>
+              <a:rPr lang="en-US" sz="2000" dirty="0">
+                <a:solidFill>
+                  <a:schemeClr val="bg1"/>
+                </a:solidFill>
+                <a:effectLst/>
+              </a:rPr>
+              <a:t> et al. 2006)</a:t>
+            </a:r>
+          </a:p>
+          <a:p>
+            <a:pPr marL="285750" indent="-228600">
+              <a:buFont typeface="Arial" panose="020B0604020202020204" pitchFamily="34" charset="0"/>
+              <a:buChar char="•"/>
+            </a:pPr>
+            <a:r>
+              <a:rPr lang="en-US" sz="2200" dirty="0">
+                <a:solidFill>
+                  <a:schemeClr val="bg1"/>
+                </a:solidFill>
+              </a:rPr>
+              <a:t>Map made in R (ggplot2)</a:t>
+            </a:r>
+            <a:endParaRPr lang="en-US" sz="2200" dirty="0">
+              <a:solidFill>
+                <a:schemeClr val="bg1"/>
+              </a:solidFill>
+              <a:effectLst/>
+            </a:endParaRPr>
           </a:p>
         </p:txBody>
       </p:sp>
+      <p:cxnSp>
+        <p:nvCxnSpPr>
+          <p:cNvPr id="28" name="Straight Connector 18">
+            <a:extLst>
+              <a:ext uri="{FF2B5EF4-FFF2-40B4-BE49-F238E27FC236}">
+                <a16:creationId xmlns:a16="http://schemas.microsoft.com/office/drawing/2014/main" id="{F11AD06B-AB20-4097-8606-5DA00DBACE88}"/>
+              </a:ext>
+              <a:ext uri="{C183D7F6-B498-43B3-948B-1728B52AA6E4}">
+                <adec:decorative xmlns:adec="http://schemas.microsoft.com/office/drawing/2017/decorative" val="1"/>
+              </a:ext>
+            </a:extLst>
+          </p:cNvPr>
+          <p:cNvCxnSpPr>
+            <a:cxnSpLocks noGrp="1" noRot="1" noChangeAspect="1" noMove="1" noResize="1" noEditPoints="1" noAdjustHandles="1" noChangeArrowheads="1" noChangeShapeType="1"/>
+          </p:cNvCxnSpPr>
+          <p:nvPr>
+            <p:extLst>
+              <p:ext uri="{386F3935-93C4-4BCD-93E2-E3B085C9AB24}">
+                <p16:designElem xmlns:p16="http://schemas.microsoft.com/office/powerpoint/2015/main" val="1"/>
+              </p:ext>
+            </p:extLst>
+          </p:nvPr>
+        </p:nvCxnSpPr>
+        <p:spPr>
+          <a:xfrm flipH="1">
+            <a:off x="834027" y="5707672"/>
+            <a:ext cx="4713997" cy="0"/>
+          </a:xfrm>
+          <a:prstGeom prst="line">
+            <a:avLst/>
+          </a:prstGeom>
+          <a:ln w="12700">
+            <a:solidFill>
+              <a:schemeClr val="accent2"/>
+            </a:solidFill>
+          </a:ln>
+        </p:spPr>
+        <p:style>
+          <a:lnRef idx="1">
+            <a:schemeClr val="accent1"/>
+          </a:lnRef>
+          <a:fillRef idx="0">
+            <a:schemeClr val="accent1"/>
+          </a:fillRef>
+          <a:effectRef idx="0">
+            <a:schemeClr val="accent1"/>
+          </a:effectRef>
+          <a:fontRef idx="minor">
+            <a:schemeClr val="tx1"/>
+          </a:fontRef>
+        </p:style>
+      </p:cxnSp>
+      <p:pic>
+        <p:nvPicPr>
+          <p:cNvPr id="11" name="Content Placeholder 10">
+            <a:extLst>
+              <a:ext uri="{FF2B5EF4-FFF2-40B4-BE49-F238E27FC236}">
+                <a16:creationId xmlns:a16="http://schemas.microsoft.com/office/drawing/2014/main" id="{3498E050-44DC-4200-92EC-E7BD8B119285}"/>
+              </a:ext>
+            </a:extLst>
+          </p:cNvPr>
+          <p:cNvPicPr>
+            <a:picLocks noGrp="1" noChangeAspect="1"/>
+          </p:cNvPicPr>
+          <p:nvPr>
+            <p:ph idx="1"/>
+          </p:nvPr>
+        </p:nvPicPr>
+        <p:blipFill>
+          <a:blip r:embed="rId2"/>
+          <a:stretch>
+            <a:fillRect/>
+          </a:stretch>
+        </p:blipFill>
+        <p:spPr>
+          <a:xfrm>
+            <a:off x="6143625" y="1796398"/>
+            <a:ext cx="5502117" cy="3787468"/>
+          </a:xfrm>
+        </p:spPr>
+      </p:pic>
     </p:spTree>
     <p:extLst>
       <p:ext uri="{BB962C8B-B14F-4D97-AF65-F5344CB8AC3E}">
-        <p14:creationId xmlns:p14="http://schemas.microsoft.com/office/powerpoint/2010/main" val="2733015701"/>
+        <p14:creationId xmlns:p14="http://schemas.microsoft.com/office/powerpoint/2010/main" val="1506561070"/>
       </p:ext>
     </p:extLst>
   </p:cSld>
@@ -4418,10 +5946,10 @@
       </p:grpSpPr>
       <p:sp>
         <p:nvSpPr>
-          <p:cNvPr id="5" name="Title 4">
-            <a:extLst>
-              <a:ext uri="{FF2B5EF4-FFF2-40B4-BE49-F238E27FC236}">
-                <a16:creationId xmlns:a16="http://schemas.microsoft.com/office/drawing/2014/main" id="{DA03D280-DF2F-4B02-963D-57AC53946591}"/>
+          <p:cNvPr id="2" name="Title 1">
+            <a:extLst>
+              <a:ext uri="{FF2B5EF4-FFF2-40B4-BE49-F238E27FC236}">
+                <a16:creationId xmlns:a16="http://schemas.microsoft.com/office/drawing/2014/main" id="{092054FD-C159-427D-B2F0-A55371A8399E}"/>
               </a:ext>
             </a:extLst>
           </p:cNvPr>
@@ -4439,6 +5967,1826 @@
           <a:p>
             <a:r>
               <a:rPr lang="en-US" dirty="0"/>
+              <a:t>Types of Home Resistances</a:t>
+            </a:r>
+          </a:p>
+        </p:txBody>
+      </p:sp>
+      <p:sp>
+        <p:nvSpPr>
+          <p:cNvPr id="4" name="Text Placeholder 3">
+            <a:extLst>
+              <a:ext uri="{FF2B5EF4-FFF2-40B4-BE49-F238E27FC236}">
+                <a16:creationId xmlns:a16="http://schemas.microsoft.com/office/drawing/2014/main" id="{28406647-8067-418F-B3FC-762F6BCBA340}"/>
+              </a:ext>
+            </a:extLst>
+          </p:cNvPr>
+          <p:cNvSpPr>
+            <a:spLocks noGrp="1"/>
+          </p:cNvSpPr>
+          <p:nvPr>
+            <p:ph type="body" sz="half" idx="2"/>
+          </p:nvPr>
+        </p:nvSpPr>
+        <p:spPr/>
+        <p:txBody>
+          <a:bodyPr/>
+          <a:lstStyle/>
+          <a:p>
+            <a:pPr marL="285750" indent="-285750">
+              <a:buFont typeface="Arial" panose="020B0604020202020204" pitchFamily="34" charset="0"/>
+              <a:buChar char="•"/>
+            </a:pPr>
+            <a:r>
+              <a:rPr lang="en-US" dirty="0"/>
+              <a:t>Buildings surrounded by zones of non-vegetated areas or areas populated by fire-resistant vegetation are more likely to survive</a:t>
+            </a:r>
+          </a:p>
+          <a:p>
+            <a:pPr marL="285750" indent="-285750">
+              <a:buFont typeface="Arial" panose="020B0604020202020204" pitchFamily="34" charset="0"/>
+              <a:buChar char="•"/>
+            </a:pPr>
+            <a:r>
+              <a:rPr lang="en-US" dirty="0"/>
+              <a:t>Using non-combustible/fire-resistant materials should be considered</a:t>
+            </a:r>
+          </a:p>
+        </p:txBody>
+      </p:sp>
+      <p:pic>
+        <p:nvPicPr>
+          <p:cNvPr id="1026" name="Picture 2" descr="In a big wildfire, strong winds may carry hot embers or even large flaming firebrands for long distances. Embers can be sucked into soffit vents or land in gutters, where accumulated pine needles or leaves may catch fire. The detail above reduces these risks; the soffit and fascia are noncombustible fiber cement, the roof is concrete tile, and metal flashing laps down into the metal gutter. The rough bottom surface of the tile allows moisture to weep out, but restricts the entry of flame and embers.">
+            <a:extLst>
+              <a:ext uri="{FF2B5EF4-FFF2-40B4-BE49-F238E27FC236}">
+                <a16:creationId xmlns:a16="http://schemas.microsoft.com/office/drawing/2014/main" id="{25AD1518-1312-4AF9-96F3-7601C52DA106}"/>
+              </a:ext>
+            </a:extLst>
+          </p:cNvPr>
+          <p:cNvPicPr>
+            <a:picLocks noGrp="1" noChangeAspect="1" noChangeArrowheads="1"/>
+          </p:cNvPicPr>
+          <p:nvPr>
+            <p:ph idx="1"/>
+          </p:nvPr>
+        </p:nvPicPr>
+        <p:blipFill>
+          <a:blip r:embed="rId2">
+            <a:extLst>
+              <a:ext uri="{28A0092B-C50C-407E-A947-70E740481C1C}">
+                <a14:useLocalDpi xmlns:a14="http://schemas.microsoft.com/office/drawing/2010/main" val="0"/>
+              </a:ext>
+            </a:extLst>
+          </a:blip>
+          <a:srcRect/>
+          <a:stretch>
+            <a:fillRect/>
+          </a:stretch>
+        </p:blipFill>
+        <p:spPr bwMode="auto">
+          <a:xfrm>
+            <a:off x="5183188" y="1313993"/>
+            <a:ext cx="6172200" cy="4220488"/>
+          </a:xfrm>
+          <a:prstGeom prst="rect">
+            <a:avLst/>
+          </a:prstGeom>
+          <a:noFill/>
+          <a:extLst>
+            <a:ext uri="{909E8E84-426E-40DD-AFC4-6F175D3DCCD1}">
+              <a14:hiddenFill xmlns:a14="http://schemas.microsoft.com/office/drawing/2010/main">
+                <a:solidFill>
+                  <a:srgbClr val="FFFFFF"/>
+                </a:solidFill>
+              </a14:hiddenFill>
+            </a:ext>
+          </a:extLst>
+        </p:spPr>
+      </p:pic>
+    </p:spTree>
+    <p:extLst>
+      <p:ext uri="{BB962C8B-B14F-4D97-AF65-F5344CB8AC3E}">
+        <p14:creationId xmlns:p14="http://schemas.microsoft.com/office/powerpoint/2010/main" val="3003575040"/>
+      </p:ext>
+    </p:extLst>
+  </p:cSld>
+  <p:clrMapOvr>
+    <a:masterClrMapping/>
+  </p:clrMapOvr>
+</p:sld>
+</file>
+
+<file path=ppt/slides/slide6.xml><?xml version="1.0" encoding="utf-8"?>
+<p:sld xmlns:a="http://schemas.openxmlformats.org/drawingml/2006/main" xmlns:r="http://schemas.openxmlformats.org/officeDocument/2006/relationships" xmlns:p="http://schemas.openxmlformats.org/presentationml/2006/main">
+  <p:cSld>
+    <p:bg>
+      <p:bgPr>
+        <a:solidFill>
+          <a:schemeClr val="bg1"/>
+        </a:solidFill>
+        <a:effectLst/>
+      </p:bgPr>
+    </p:bg>
+    <p:spTree>
+      <p:nvGrpSpPr>
+        <p:cNvPr id="1" name=""/>
+        <p:cNvGrpSpPr/>
+        <p:nvPr/>
+      </p:nvGrpSpPr>
+      <p:grpSpPr>
+        <a:xfrm>
+          <a:off x="0" y="0"/>
+          <a:ext cx="0" cy="0"/>
+          <a:chOff x="0" y="0"/>
+          <a:chExt cx="0" cy="0"/>
+        </a:xfrm>
+      </p:grpSpPr>
+      <p:sp useBgFill="1">
+        <p:nvSpPr>
+          <p:cNvPr id="8" name="Rectangle 10">
+            <a:extLst>
+              <a:ext uri="{FF2B5EF4-FFF2-40B4-BE49-F238E27FC236}">
+                <a16:creationId xmlns:a16="http://schemas.microsoft.com/office/drawing/2014/main" id="{A81E7530-396C-45F0-92F4-A885648D1631}"/>
+              </a:ext>
+              <a:ext uri="{C183D7F6-B498-43B3-948B-1728B52AA6E4}">
+                <adec:decorative xmlns:adec="http://schemas.microsoft.com/office/drawing/2017/decorative" val="1"/>
+              </a:ext>
+            </a:extLst>
+          </p:cNvPr>
+          <p:cNvSpPr>
+            <a:spLocks noGrp="1" noRot="1" noChangeAspect="1" noMove="1" noResize="1" noEditPoints="1" noAdjustHandles="1" noChangeArrowheads="1" noChangeShapeType="1" noTextEdit="1"/>
+          </p:cNvSpPr>
+          <p:nvPr>
+            <p:extLst>
+              <p:ext uri="{386F3935-93C4-4BCD-93E2-E3B085C9AB24}">
+                <p16:designElem xmlns:p16="http://schemas.microsoft.com/office/powerpoint/2015/main" val="1"/>
+              </p:ext>
+            </p:extLst>
+          </p:nvPr>
+        </p:nvSpPr>
+        <p:spPr>
+          <a:xfrm>
+            <a:off x="0" y="0"/>
+            <a:ext cx="12188952" cy="6858000"/>
+          </a:xfrm>
+          <a:prstGeom prst="rect">
+            <a:avLst/>
+          </a:prstGeom>
+          <a:ln>
+            <a:noFill/>
+          </a:ln>
+        </p:spPr>
+        <p:style>
+          <a:lnRef idx="2">
+            <a:schemeClr val="accent1">
+              <a:shade val="50000"/>
+            </a:schemeClr>
+          </a:lnRef>
+          <a:fillRef idx="1">
+            <a:schemeClr val="accent1"/>
+          </a:fillRef>
+          <a:effectRef idx="0">
+            <a:schemeClr val="accent1"/>
+          </a:effectRef>
+          <a:fontRef idx="minor">
+            <a:schemeClr val="lt1"/>
+          </a:fontRef>
+        </p:style>
+        <p:txBody>
+          <a:bodyPr rtlCol="0" anchor="ctr"/>
+          <a:lstStyle/>
+          <a:p>
+            <a:pPr algn="ctr"/>
+            <a:endParaRPr lang="en-US"/>
+          </a:p>
+        </p:txBody>
+      </p:sp>
+      <p:pic>
+        <p:nvPicPr>
+          <p:cNvPr id="6" name="Content Placeholder 5">
+            <a:extLst>
+              <a:ext uri="{FF2B5EF4-FFF2-40B4-BE49-F238E27FC236}">
+                <a16:creationId xmlns:a16="http://schemas.microsoft.com/office/drawing/2014/main" id="{E282EBDE-B469-452C-B59C-E6F966DFBF5F}"/>
+              </a:ext>
+            </a:extLst>
+          </p:cNvPr>
+          <p:cNvPicPr>
+            <a:picLocks noGrp="1" noChangeAspect="1"/>
+          </p:cNvPicPr>
+          <p:nvPr>
+            <p:ph idx="1"/>
+          </p:nvPr>
+        </p:nvPicPr>
+        <p:blipFill rotWithShape="1">
+          <a:blip r:embed="rId2"/>
+          <a:srcRect l="2322" r="4742" b="1"/>
+          <a:stretch/>
+        </p:blipFill>
+        <p:spPr>
+          <a:xfrm>
+            <a:off x="-1" y="1"/>
+            <a:ext cx="11588329" cy="6857999"/>
+          </a:xfrm>
+          <a:prstGeom prst="rect">
+            <a:avLst/>
+          </a:prstGeom>
+        </p:spPr>
+      </p:pic>
+      <p:sp>
+        <p:nvSpPr>
+          <p:cNvPr id="9" name="Rectangle 12">
+            <a:extLst>
+              <a:ext uri="{FF2B5EF4-FFF2-40B4-BE49-F238E27FC236}">
+                <a16:creationId xmlns:a16="http://schemas.microsoft.com/office/drawing/2014/main" id="{7316481C-0A49-4796-812B-0D64F063B720}"/>
+              </a:ext>
+              <a:ext uri="{C183D7F6-B498-43B3-948B-1728B52AA6E4}">
+                <adec:decorative xmlns:adec="http://schemas.microsoft.com/office/drawing/2017/decorative" val="1"/>
+              </a:ext>
+            </a:extLst>
+          </p:cNvPr>
+          <p:cNvSpPr>
+            <a:spLocks noGrp="1" noRot="1" noChangeAspect="1" noMove="1" noResize="1" noEditPoints="1" noAdjustHandles="1" noChangeArrowheads="1" noChangeShapeType="1" noTextEdit="1"/>
+          </p:cNvSpPr>
+          <p:nvPr>
+            <p:extLst>
+              <p:ext uri="{386F3935-93C4-4BCD-93E2-E3B085C9AB24}">
+                <p16:designElem xmlns:p16="http://schemas.microsoft.com/office/powerpoint/2015/main" val="1"/>
+              </p:ext>
+            </p:extLst>
+          </p:nvPr>
+        </p:nvSpPr>
+        <p:spPr>
+          <a:xfrm>
+            <a:off x="1" y="0"/>
+            <a:ext cx="5419898" cy="6858000"/>
+          </a:xfrm>
+          <a:prstGeom prst="rect">
+            <a:avLst/>
+          </a:prstGeom>
+          <a:solidFill>
+            <a:schemeClr val="tx1">
+              <a:alpha val="55000"/>
+            </a:schemeClr>
+          </a:solidFill>
+          <a:ln>
+            <a:noFill/>
+          </a:ln>
+        </p:spPr>
+        <p:style>
+          <a:lnRef idx="2">
+            <a:schemeClr val="accent1">
+              <a:shade val="50000"/>
+            </a:schemeClr>
+          </a:lnRef>
+          <a:fillRef idx="1">
+            <a:schemeClr val="accent1"/>
+          </a:fillRef>
+          <a:effectRef idx="0">
+            <a:schemeClr val="accent1"/>
+          </a:effectRef>
+          <a:fontRef idx="minor">
+            <a:schemeClr val="lt1"/>
+          </a:fontRef>
+        </p:style>
+        <p:txBody>
+          <a:bodyPr rtlCol="0" anchor="ctr"/>
+          <a:lstStyle/>
+          <a:p>
+            <a:pPr algn="ctr"/>
+            <a:endParaRPr lang="en-US"/>
+          </a:p>
+        </p:txBody>
+      </p:sp>
+      <p:sp>
+        <p:nvSpPr>
+          <p:cNvPr id="2" name="Title 1">
+            <a:extLst>
+              <a:ext uri="{FF2B5EF4-FFF2-40B4-BE49-F238E27FC236}">
+                <a16:creationId xmlns:a16="http://schemas.microsoft.com/office/drawing/2014/main" id="{4EB43E0B-BA87-4308-9006-B14057FD47F2}"/>
+              </a:ext>
+            </a:extLst>
+          </p:cNvPr>
+          <p:cNvSpPr>
+            <a:spLocks noGrp="1"/>
+          </p:cNvSpPr>
+          <p:nvPr>
+            <p:ph type="title"/>
+          </p:nvPr>
+        </p:nvSpPr>
+        <p:spPr>
+          <a:xfrm>
+            <a:off x="1166649" y="721805"/>
+            <a:ext cx="3874686" cy="2147520"/>
+          </a:xfrm>
+        </p:spPr>
+        <p:txBody>
+          <a:bodyPr vert="horz" lIns="91440" tIns="45720" rIns="91440" bIns="45720" rtlCol="0" anchor="ctr">
+            <a:normAutofit/>
+          </a:bodyPr>
+          <a:lstStyle/>
+          <a:p>
+            <a:r>
+              <a:rPr lang="en-US" sz="4400">
+                <a:solidFill>
+                  <a:schemeClr val="bg1"/>
+                </a:solidFill>
+              </a:rPr>
+              <a:t>Defensible Space</a:t>
+            </a:r>
+          </a:p>
+        </p:txBody>
+      </p:sp>
+      <p:sp>
+        <p:nvSpPr>
+          <p:cNvPr id="10" name="Rectangle 14">
+            <a:extLst>
+              <a:ext uri="{FF2B5EF4-FFF2-40B4-BE49-F238E27FC236}">
+                <a16:creationId xmlns:a16="http://schemas.microsoft.com/office/drawing/2014/main" id="{A5271697-90F1-4A23-8EF2-0179F2EAFACB}"/>
+              </a:ext>
+              <a:ext uri="{C183D7F6-B498-43B3-948B-1728B52AA6E4}">
+                <adec:decorative xmlns:adec="http://schemas.microsoft.com/office/drawing/2017/decorative" val="1"/>
+              </a:ext>
+            </a:extLst>
+          </p:cNvPr>
+          <p:cNvSpPr>
+            <a:spLocks noGrp="1" noRot="1" noChangeAspect="1" noMove="1" noResize="1" noEditPoints="1" noAdjustHandles="1" noChangeArrowheads="1" noChangeShapeType="1" noTextEdit="1"/>
+          </p:cNvSpPr>
+          <p:nvPr>
+            <p:extLst>
+              <p:ext uri="{386F3935-93C4-4BCD-93E2-E3B085C9AB24}">
+                <p16:designElem xmlns:p16="http://schemas.microsoft.com/office/powerpoint/2015/main" val="1"/>
+              </p:ext>
+            </p:extLst>
+          </p:nvPr>
+        </p:nvSpPr>
+        <p:spPr>
+          <a:xfrm>
+            <a:off x="-1" y="1"/>
+            <a:ext cx="606972" cy="3233984"/>
+          </a:xfrm>
+          <a:prstGeom prst="rect">
+            <a:avLst/>
+          </a:prstGeom>
+          <a:solidFill>
+            <a:schemeClr val="tx1">
+              <a:lumMod val="85000"/>
+              <a:lumOff val="15000"/>
+            </a:schemeClr>
+          </a:solidFill>
+          <a:ln>
+            <a:noFill/>
+          </a:ln>
+        </p:spPr>
+        <p:style>
+          <a:lnRef idx="2">
+            <a:schemeClr val="accent1">
+              <a:shade val="50000"/>
+            </a:schemeClr>
+          </a:lnRef>
+          <a:fillRef idx="1">
+            <a:schemeClr val="accent1"/>
+          </a:fillRef>
+          <a:effectRef idx="0">
+            <a:schemeClr val="accent1"/>
+          </a:effectRef>
+          <a:fontRef idx="minor">
+            <a:schemeClr val="lt1"/>
+          </a:fontRef>
+        </p:style>
+        <p:txBody>
+          <a:bodyPr rtlCol="0" anchor="ctr"/>
+          <a:lstStyle/>
+          <a:p>
+            <a:pPr algn="ctr"/>
+            <a:endParaRPr lang="en-US"/>
+          </a:p>
+        </p:txBody>
+      </p:sp>
+      <p:grpSp>
+        <p:nvGrpSpPr>
+          <p:cNvPr id="12" name="Group 16">
+            <a:extLst>
+              <a:ext uri="{FF2B5EF4-FFF2-40B4-BE49-F238E27FC236}">
+                <a16:creationId xmlns:a16="http://schemas.microsoft.com/office/drawing/2014/main" id="{81DE8B58-F373-409E-A253-4380A66091D4}"/>
+              </a:ext>
+              <a:ext uri="{C183D7F6-B498-43B3-948B-1728B52AA6E4}">
+                <adec:decorative xmlns:adec="http://schemas.microsoft.com/office/drawing/2017/decorative" val="1"/>
+              </a:ext>
+            </a:extLst>
+          </p:cNvPr>
+          <p:cNvGrpSpPr>
+            <a:grpSpLocks noGrp="1" noUngrp="1" noRot="1" noChangeAspect="1" noMove="1" noResize="1"/>
+          </p:cNvGrpSpPr>
+          <p:nvPr>
+            <p:extLst>
+              <p:ext uri="{386F3935-93C4-4BCD-93E2-E3B085C9AB24}">
+                <p16:designElem xmlns:p16="http://schemas.microsoft.com/office/powerpoint/2015/main" val="1"/>
+              </p:ext>
+            </p:extLst>
+          </p:nvPr>
+        </p:nvGrpSpPr>
+        <p:grpSpPr>
+          <a:xfrm>
+            <a:off x="1188720" y="73152"/>
+            <a:ext cx="1178966" cy="232963"/>
+            <a:chOff x="1188720" y="73152"/>
+            <a:chExt cx="1178966" cy="232963"/>
+          </a:xfrm>
+        </p:grpSpPr>
+        <p:sp>
+          <p:nvSpPr>
+            <p:cNvPr id="18" name="Rectangle 64">
+              <a:extLst>
+                <a:ext uri="{FF2B5EF4-FFF2-40B4-BE49-F238E27FC236}">
+                  <a16:creationId xmlns:a16="http://schemas.microsoft.com/office/drawing/2014/main" id="{F5ACE265-D22D-48CC-99DE-EB81AE9229E2}"/>
+                </a:ext>
+                <a:ext uri="{C183D7F6-B498-43B3-948B-1728B52AA6E4}">
+                  <adec:decorative xmlns:adec="http://schemas.microsoft.com/office/drawing/2017/decorative" val="1"/>
+                </a:ext>
+              </a:extLst>
+            </p:cNvPr>
+            <p:cNvSpPr/>
+            <p:nvPr>
+              <p:extLst>
+                <p:ext uri="{386F3935-93C4-4BCD-93E2-E3B085C9AB24}">
+                  <p16:designElem xmlns:p16="http://schemas.microsoft.com/office/powerpoint/2015/main" val="1"/>
+                </p:ext>
+              </p:extLst>
+            </p:nvPr>
+          </p:nvSpPr>
+          <p:spPr>
+            <a:xfrm>
+              <a:off x="1688541" y="73152"/>
+              <a:ext cx="54368" cy="59227"/>
+            </a:xfrm>
+            <a:prstGeom prst="ellipse">
+              <a:avLst/>
+            </a:prstGeom>
+            <a:solidFill>
+              <a:schemeClr val="bg1"/>
+            </a:solidFill>
+            <a:ln>
+              <a:noFill/>
+            </a:ln>
+          </p:spPr>
+          <p:style>
+            <a:lnRef idx="2">
+              <a:schemeClr val="accent1">
+                <a:shade val="50000"/>
+              </a:schemeClr>
+            </a:lnRef>
+            <a:fillRef idx="1">
+              <a:schemeClr val="accent1"/>
+            </a:fillRef>
+            <a:effectRef idx="0">
+              <a:schemeClr val="accent1"/>
+            </a:effectRef>
+            <a:fontRef idx="minor">
+              <a:schemeClr val="lt1"/>
+            </a:fontRef>
+          </p:style>
+          <p:txBody>
+            <a:bodyPr rtlCol="0" anchor="ctr"/>
+            <a:lstStyle/>
+            <a:p>
+              <a:pPr algn="ctr"/>
+              <a:endParaRPr lang="en-US"/>
+            </a:p>
+          </p:txBody>
+        </p:sp>
+        <p:sp>
+          <p:nvSpPr>
+            <p:cNvPr id="19" name="Rectangle 66">
+              <a:extLst>
+                <a:ext uri="{FF2B5EF4-FFF2-40B4-BE49-F238E27FC236}">
+                  <a16:creationId xmlns:a16="http://schemas.microsoft.com/office/drawing/2014/main" id="{6FE80EEA-F4ED-4436-8861-0BEAAEFE761D}"/>
+                </a:ext>
+                <a:ext uri="{C183D7F6-B498-43B3-948B-1728B52AA6E4}">
+                  <adec:decorative xmlns:adec="http://schemas.microsoft.com/office/drawing/2017/decorative" val="1"/>
+                </a:ext>
+              </a:extLst>
+            </p:cNvPr>
+            <p:cNvSpPr/>
+            <p:nvPr>
+              <p:extLst>
+                <p:ext uri="{386F3935-93C4-4BCD-93E2-E3B085C9AB24}">
+                  <p16:designElem xmlns:p16="http://schemas.microsoft.com/office/powerpoint/2015/main" val="1"/>
+                </p:ext>
+              </p:extLst>
+            </p:nvPr>
+          </p:nvSpPr>
+          <p:spPr>
+            <a:xfrm>
+              <a:off x="1688541" y="246888"/>
+              <a:ext cx="54368" cy="59227"/>
+            </a:xfrm>
+            <a:prstGeom prst="ellipse">
+              <a:avLst/>
+            </a:prstGeom>
+            <a:solidFill>
+              <a:schemeClr val="bg1"/>
+            </a:solidFill>
+            <a:ln>
+              <a:noFill/>
+            </a:ln>
+          </p:spPr>
+          <p:style>
+            <a:lnRef idx="2">
+              <a:schemeClr val="accent1">
+                <a:shade val="50000"/>
+              </a:schemeClr>
+            </a:lnRef>
+            <a:fillRef idx="1">
+              <a:schemeClr val="accent1"/>
+            </a:fillRef>
+            <a:effectRef idx="0">
+              <a:schemeClr val="accent1"/>
+            </a:effectRef>
+            <a:fontRef idx="minor">
+              <a:schemeClr val="lt1"/>
+            </a:fontRef>
+          </p:style>
+          <p:txBody>
+            <a:bodyPr rtlCol="0" anchor="ctr"/>
+            <a:lstStyle/>
+            <a:p>
+              <a:pPr algn="ctr"/>
+              <a:endParaRPr lang="en-US"/>
+            </a:p>
+          </p:txBody>
+        </p:sp>
+        <p:sp>
+          <p:nvSpPr>
+            <p:cNvPr id="20" name="Rectangle 64">
+              <a:extLst>
+                <a:ext uri="{FF2B5EF4-FFF2-40B4-BE49-F238E27FC236}">
+                  <a16:creationId xmlns:a16="http://schemas.microsoft.com/office/drawing/2014/main" id="{C3642BC8-86E8-47D0-8846-3E4D49E4B46B}"/>
+                </a:ext>
+                <a:ext uri="{C183D7F6-B498-43B3-948B-1728B52AA6E4}">
+                  <adec:decorative xmlns:adec="http://schemas.microsoft.com/office/drawing/2017/decorative" val="1"/>
+                </a:ext>
+              </a:extLst>
+            </p:cNvPr>
+            <p:cNvSpPr/>
+            <p:nvPr>
+              <p:extLst>
+                <p:ext uri="{386F3935-93C4-4BCD-93E2-E3B085C9AB24}">
+                  <p16:designElem xmlns:p16="http://schemas.microsoft.com/office/powerpoint/2015/main" val="1"/>
+                </p:ext>
+              </p:extLst>
+            </p:nvPr>
+          </p:nvSpPr>
+          <p:spPr>
+            <a:xfrm>
+              <a:off x="1563586" y="73152"/>
+              <a:ext cx="54368" cy="59227"/>
+            </a:xfrm>
+            <a:prstGeom prst="ellipse">
+              <a:avLst/>
+            </a:prstGeom>
+            <a:solidFill>
+              <a:schemeClr val="bg1"/>
+            </a:solidFill>
+            <a:ln>
+              <a:noFill/>
+            </a:ln>
+          </p:spPr>
+          <p:style>
+            <a:lnRef idx="2">
+              <a:schemeClr val="accent1">
+                <a:shade val="50000"/>
+              </a:schemeClr>
+            </a:lnRef>
+            <a:fillRef idx="1">
+              <a:schemeClr val="accent1"/>
+            </a:fillRef>
+            <a:effectRef idx="0">
+              <a:schemeClr val="accent1"/>
+            </a:effectRef>
+            <a:fontRef idx="minor">
+              <a:schemeClr val="lt1"/>
+            </a:fontRef>
+          </p:style>
+          <p:txBody>
+            <a:bodyPr rtlCol="0" anchor="ctr"/>
+            <a:lstStyle/>
+            <a:p>
+              <a:pPr algn="ctr"/>
+              <a:endParaRPr lang="en-US"/>
+            </a:p>
+          </p:txBody>
+        </p:sp>
+        <p:sp>
+          <p:nvSpPr>
+            <p:cNvPr id="21" name="Rectangle 66">
+              <a:extLst>
+                <a:ext uri="{FF2B5EF4-FFF2-40B4-BE49-F238E27FC236}">
+                  <a16:creationId xmlns:a16="http://schemas.microsoft.com/office/drawing/2014/main" id="{82D35214-3634-4180-BF0E-45B6145161C0}"/>
+                </a:ext>
+                <a:ext uri="{C183D7F6-B498-43B3-948B-1728B52AA6E4}">
+                  <adec:decorative xmlns:adec="http://schemas.microsoft.com/office/drawing/2017/decorative" val="1"/>
+                </a:ext>
+              </a:extLst>
+            </p:cNvPr>
+            <p:cNvSpPr/>
+            <p:nvPr>
+              <p:extLst>
+                <p:ext uri="{386F3935-93C4-4BCD-93E2-E3B085C9AB24}">
+                  <p16:designElem xmlns:p16="http://schemas.microsoft.com/office/powerpoint/2015/main" val="1"/>
+                </p:ext>
+              </p:extLst>
+            </p:nvPr>
+          </p:nvSpPr>
+          <p:spPr>
+            <a:xfrm>
+              <a:off x="1563586" y="246888"/>
+              <a:ext cx="54368" cy="59227"/>
+            </a:xfrm>
+            <a:prstGeom prst="ellipse">
+              <a:avLst/>
+            </a:prstGeom>
+            <a:solidFill>
+              <a:schemeClr val="bg1"/>
+            </a:solidFill>
+            <a:ln>
+              <a:noFill/>
+            </a:ln>
+          </p:spPr>
+          <p:style>
+            <a:lnRef idx="2">
+              <a:schemeClr val="accent1">
+                <a:shade val="50000"/>
+              </a:schemeClr>
+            </a:lnRef>
+            <a:fillRef idx="1">
+              <a:schemeClr val="accent1"/>
+            </a:fillRef>
+            <a:effectRef idx="0">
+              <a:schemeClr val="accent1"/>
+            </a:effectRef>
+            <a:fontRef idx="minor">
+              <a:schemeClr val="lt1"/>
+            </a:fontRef>
+          </p:style>
+          <p:txBody>
+            <a:bodyPr rtlCol="0" anchor="ctr"/>
+            <a:lstStyle/>
+            <a:p>
+              <a:pPr algn="ctr"/>
+              <a:endParaRPr lang="en-US"/>
+            </a:p>
+          </p:txBody>
+        </p:sp>
+        <p:sp>
+          <p:nvSpPr>
+            <p:cNvPr id="22" name="Rectangle 64">
+              <a:extLst>
+                <a:ext uri="{FF2B5EF4-FFF2-40B4-BE49-F238E27FC236}">
+                  <a16:creationId xmlns:a16="http://schemas.microsoft.com/office/drawing/2014/main" id="{15BE89E6-3D1C-42B5-A950-E72889F8BB67}"/>
+                </a:ext>
+                <a:ext uri="{C183D7F6-B498-43B3-948B-1728B52AA6E4}">
+                  <adec:decorative xmlns:adec="http://schemas.microsoft.com/office/drawing/2017/decorative" val="1"/>
+                </a:ext>
+              </a:extLst>
+            </p:cNvPr>
+            <p:cNvSpPr/>
+            <p:nvPr>
+              <p:extLst>
+                <p:ext uri="{386F3935-93C4-4BCD-93E2-E3B085C9AB24}">
+                  <p16:designElem xmlns:p16="http://schemas.microsoft.com/office/powerpoint/2015/main" val="1"/>
+                </p:ext>
+              </p:extLst>
+            </p:nvPr>
+          </p:nvSpPr>
+          <p:spPr>
+            <a:xfrm>
+              <a:off x="1438631" y="73152"/>
+              <a:ext cx="54368" cy="59227"/>
+            </a:xfrm>
+            <a:prstGeom prst="ellipse">
+              <a:avLst/>
+            </a:prstGeom>
+            <a:solidFill>
+              <a:schemeClr val="bg1"/>
+            </a:solidFill>
+            <a:ln>
+              <a:noFill/>
+            </a:ln>
+          </p:spPr>
+          <p:style>
+            <a:lnRef idx="2">
+              <a:schemeClr val="accent1">
+                <a:shade val="50000"/>
+              </a:schemeClr>
+            </a:lnRef>
+            <a:fillRef idx="1">
+              <a:schemeClr val="accent1"/>
+            </a:fillRef>
+            <a:effectRef idx="0">
+              <a:schemeClr val="accent1"/>
+            </a:effectRef>
+            <a:fontRef idx="minor">
+              <a:schemeClr val="lt1"/>
+            </a:fontRef>
+          </p:style>
+          <p:txBody>
+            <a:bodyPr rtlCol="0" anchor="ctr"/>
+            <a:lstStyle/>
+            <a:p>
+              <a:pPr algn="ctr"/>
+              <a:endParaRPr lang="en-US"/>
+            </a:p>
+          </p:txBody>
+        </p:sp>
+        <p:sp>
+          <p:nvSpPr>
+            <p:cNvPr id="23" name="Rectangle 66">
+              <a:extLst>
+                <a:ext uri="{FF2B5EF4-FFF2-40B4-BE49-F238E27FC236}">
+                  <a16:creationId xmlns:a16="http://schemas.microsoft.com/office/drawing/2014/main" id="{473771CC-5097-4E08-9606-24B0BC9A0D1F}"/>
+                </a:ext>
+                <a:ext uri="{C183D7F6-B498-43B3-948B-1728B52AA6E4}">
+                  <adec:decorative xmlns:adec="http://schemas.microsoft.com/office/drawing/2017/decorative" val="1"/>
+                </a:ext>
+              </a:extLst>
+            </p:cNvPr>
+            <p:cNvSpPr/>
+            <p:nvPr>
+              <p:extLst>
+                <p:ext uri="{386F3935-93C4-4BCD-93E2-E3B085C9AB24}">
+                  <p16:designElem xmlns:p16="http://schemas.microsoft.com/office/powerpoint/2015/main" val="1"/>
+                </p:ext>
+              </p:extLst>
+            </p:nvPr>
+          </p:nvSpPr>
+          <p:spPr>
+            <a:xfrm>
+              <a:off x="1438631" y="246888"/>
+              <a:ext cx="54368" cy="59227"/>
+            </a:xfrm>
+            <a:prstGeom prst="ellipse">
+              <a:avLst/>
+            </a:prstGeom>
+            <a:solidFill>
+              <a:schemeClr val="bg1"/>
+            </a:solidFill>
+            <a:ln>
+              <a:noFill/>
+            </a:ln>
+          </p:spPr>
+          <p:style>
+            <a:lnRef idx="2">
+              <a:schemeClr val="accent1">
+                <a:shade val="50000"/>
+              </a:schemeClr>
+            </a:lnRef>
+            <a:fillRef idx="1">
+              <a:schemeClr val="accent1"/>
+            </a:fillRef>
+            <a:effectRef idx="0">
+              <a:schemeClr val="accent1"/>
+            </a:effectRef>
+            <a:fontRef idx="minor">
+              <a:schemeClr val="lt1"/>
+            </a:fontRef>
+          </p:style>
+          <p:txBody>
+            <a:bodyPr rtlCol="0" anchor="ctr"/>
+            <a:lstStyle/>
+            <a:p>
+              <a:pPr algn="ctr"/>
+              <a:endParaRPr lang="en-US"/>
+            </a:p>
+          </p:txBody>
+        </p:sp>
+        <p:sp>
+          <p:nvSpPr>
+            <p:cNvPr id="24" name="Rectangle 64">
+              <a:extLst>
+                <a:ext uri="{FF2B5EF4-FFF2-40B4-BE49-F238E27FC236}">
+                  <a16:creationId xmlns:a16="http://schemas.microsoft.com/office/drawing/2014/main" id="{BE872634-00DA-47BD-880D-5C05FFADCC2D}"/>
+                </a:ext>
+                <a:ext uri="{C183D7F6-B498-43B3-948B-1728B52AA6E4}">
+                  <adec:decorative xmlns:adec="http://schemas.microsoft.com/office/drawing/2017/decorative" val="1"/>
+                </a:ext>
+              </a:extLst>
+            </p:cNvPr>
+            <p:cNvSpPr/>
+            <p:nvPr>
+              <p:extLst>
+                <p:ext uri="{386F3935-93C4-4BCD-93E2-E3B085C9AB24}">
+                  <p16:designElem xmlns:p16="http://schemas.microsoft.com/office/powerpoint/2015/main" val="1"/>
+                </p:ext>
+              </p:extLst>
+            </p:nvPr>
+          </p:nvSpPr>
+          <p:spPr>
+            <a:xfrm>
+              <a:off x="1313675" y="73152"/>
+              <a:ext cx="54368" cy="59227"/>
+            </a:xfrm>
+            <a:prstGeom prst="ellipse">
+              <a:avLst/>
+            </a:prstGeom>
+            <a:solidFill>
+              <a:schemeClr val="bg1"/>
+            </a:solidFill>
+            <a:ln>
+              <a:noFill/>
+            </a:ln>
+          </p:spPr>
+          <p:style>
+            <a:lnRef idx="2">
+              <a:schemeClr val="accent1">
+                <a:shade val="50000"/>
+              </a:schemeClr>
+            </a:lnRef>
+            <a:fillRef idx="1">
+              <a:schemeClr val="accent1"/>
+            </a:fillRef>
+            <a:effectRef idx="0">
+              <a:schemeClr val="accent1"/>
+            </a:effectRef>
+            <a:fontRef idx="minor">
+              <a:schemeClr val="lt1"/>
+            </a:fontRef>
+          </p:style>
+          <p:txBody>
+            <a:bodyPr rtlCol="0" anchor="ctr"/>
+            <a:lstStyle/>
+            <a:p>
+              <a:pPr algn="ctr"/>
+              <a:endParaRPr lang="en-US"/>
+            </a:p>
+          </p:txBody>
+        </p:sp>
+        <p:sp>
+          <p:nvSpPr>
+            <p:cNvPr id="25" name="Rectangle 66">
+              <a:extLst>
+                <a:ext uri="{FF2B5EF4-FFF2-40B4-BE49-F238E27FC236}">
+                  <a16:creationId xmlns:a16="http://schemas.microsoft.com/office/drawing/2014/main" id="{4F151F5C-DE9B-460E-BC51-471F4A8A5A26}"/>
+                </a:ext>
+                <a:ext uri="{C183D7F6-B498-43B3-948B-1728B52AA6E4}">
+                  <adec:decorative xmlns:adec="http://schemas.microsoft.com/office/drawing/2017/decorative" val="1"/>
+                </a:ext>
+              </a:extLst>
+            </p:cNvPr>
+            <p:cNvSpPr/>
+            <p:nvPr>
+              <p:extLst>
+                <p:ext uri="{386F3935-93C4-4BCD-93E2-E3B085C9AB24}">
+                  <p16:designElem xmlns:p16="http://schemas.microsoft.com/office/powerpoint/2015/main" val="1"/>
+                </p:ext>
+              </p:extLst>
+            </p:nvPr>
+          </p:nvSpPr>
+          <p:spPr>
+            <a:xfrm>
+              <a:off x="1313675" y="246888"/>
+              <a:ext cx="54368" cy="59227"/>
+            </a:xfrm>
+            <a:prstGeom prst="ellipse">
+              <a:avLst/>
+            </a:prstGeom>
+            <a:solidFill>
+              <a:schemeClr val="bg1"/>
+            </a:solidFill>
+            <a:ln>
+              <a:noFill/>
+            </a:ln>
+          </p:spPr>
+          <p:style>
+            <a:lnRef idx="2">
+              <a:schemeClr val="accent1">
+                <a:shade val="50000"/>
+              </a:schemeClr>
+            </a:lnRef>
+            <a:fillRef idx="1">
+              <a:schemeClr val="accent1"/>
+            </a:fillRef>
+            <a:effectRef idx="0">
+              <a:schemeClr val="accent1"/>
+            </a:effectRef>
+            <a:fontRef idx="minor">
+              <a:schemeClr val="lt1"/>
+            </a:fontRef>
+          </p:style>
+          <p:txBody>
+            <a:bodyPr rtlCol="0" anchor="ctr"/>
+            <a:lstStyle/>
+            <a:p>
+              <a:pPr algn="ctr"/>
+              <a:endParaRPr lang="en-US"/>
+            </a:p>
+          </p:txBody>
+        </p:sp>
+        <p:sp>
+          <p:nvSpPr>
+            <p:cNvPr id="26" name="Rectangle 64">
+              <a:extLst>
+                <a:ext uri="{FF2B5EF4-FFF2-40B4-BE49-F238E27FC236}">
+                  <a16:creationId xmlns:a16="http://schemas.microsoft.com/office/drawing/2014/main" id="{34557B8A-4D2F-4D0D-B746-59EA85318C46}"/>
+                </a:ext>
+                <a:ext uri="{C183D7F6-B498-43B3-948B-1728B52AA6E4}">
+                  <adec:decorative xmlns:adec="http://schemas.microsoft.com/office/drawing/2017/decorative" val="1"/>
+                </a:ext>
+              </a:extLst>
+            </p:cNvPr>
+            <p:cNvSpPr/>
+            <p:nvPr>
+              <p:extLst>
+                <p:ext uri="{386F3935-93C4-4BCD-93E2-E3B085C9AB24}">
+                  <p16:designElem xmlns:p16="http://schemas.microsoft.com/office/powerpoint/2015/main" val="1"/>
+                </p:ext>
+              </p:extLst>
+            </p:nvPr>
+          </p:nvSpPr>
+          <p:spPr>
+            <a:xfrm>
+              <a:off x="1188720" y="73152"/>
+              <a:ext cx="54368" cy="59227"/>
+            </a:xfrm>
+            <a:prstGeom prst="ellipse">
+              <a:avLst/>
+            </a:prstGeom>
+            <a:solidFill>
+              <a:schemeClr val="bg1"/>
+            </a:solidFill>
+            <a:ln>
+              <a:noFill/>
+            </a:ln>
+          </p:spPr>
+          <p:style>
+            <a:lnRef idx="2">
+              <a:schemeClr val="accent1">
+                <a:shade val="50000"/>
+              </a:schemeClr>
+            </a:lnRef>
+            <a:fillRef idx="1">
+              <a:schemeClr val="accent1"/>
+            </a:fillRef>
+            <a:effectRef idx="0">
+              <a:schemeClr val="accent1"/>
+            </a:effectRef>
+            <a:fontRef idx="minor">
+              <a:schemeClr val="lt1"/>
+            </a:fontRef>
+          </p:style>
+          <p:txBody>
+            <a:bodyPr rtlCol="0" anchor="ctr"/>
+            <a:lstStyle/>
+            <a:p>
+              <a:pPr algn="ctr"/>
+              <a:endParaRPr lang="en-US"/>
+            </a:p>
+          </p:txBody>
+        </p:sp>
+        <p:sp>
+          <p:nvSpPr>
+            <p:cNvPr id="27" name="Rectangle 66">
+              <a:extLst>
+                <a:ext uri="{FF2B5EF4-FFF2-40B4-BE49-F238E27FC236}">
+                  <a16:creationId xmlns:a16="http://schemas.microsoft.com/office/drawing/2014/main" id="{C764CD8E-E409-4E9B-8E87-746DDE36DA23}"/>
+                </a:ext>
+                <a:ext uri="{C183D7F6-B498-43B3-948B-1728B52AA6E4}">
+                  <adec:decorative xmlns:adec="http://schemas.microsoft.com/office/drawing/2017/decorative" val="1"/>
+                </a:ext>
+              </a:extLst>
+            </p:cNvPr>
+            <p:cNvSpPr/>
+            <p:nvPr>
+              <p:extLst>
+                <p:ext uri="{386F3935-93C4-4BCD-93E2-E3B085C9AB24}">
+                  <p16:designElem xmlns:p16="http://schemas.microsoft.com/office/powerpoint/2015/main" val="1"/>
+                </p:ext>
+              </p:extLst>
+            </p:nvPr>
+          </p:nvSpPr>
+          <p:spPr>
+            <a:xfrm>
+              <a:off x="1188720" y="246888"/>
+              <a:ext cx="54368" cy="59227"/>
+            </a:xfrm>
+            <a:prstGeom prst="ellipse">
+              <a:avLst/>
+            </a:prstGeom>
+            <a:solidFill>
+              <a:schemeClr val="bg1"/>
+            </a:solidFill>
+            <a:ln>
+              <a:noFill/>
+            </a:ln>
+          </p:spPr>
+          <p:style>
+            <a:lnRef idx="2">
+              <a:schemeClr val="accent1">
+                <a:shade val="50000"/>
+              </a:schemeClr>
+            </a:lnRef>
+            <a:fillRef idx="1">
+              <a:schemeClr val="accent1"/>
+            </a:fillRef>
+            <a:effectRef idx="0">
+              <a:schemeClr val="accent1"/>
+            </a:effectRef>
+            <a:fontRef idx="minor">
+              <a:schemeClr val="lt1"/>
+            </a:fontRef>
+          </p:style>
+          <p:txBody>
+            <a:bodyPr rtlCol="0" anchor="ctr"/>
+            <a:lstStyle/>
+            <a:p>
+              <a:pPr algn="ctr"/>
+              <a:endParaRPr lang="en-US"/>
+            </a:p>
+          </p:txBody>
+        </p:sp>
+        <p:sp>
+          <p:nvSpPr>
+            <p:cNvPr id="28" name="Rectangle 64">
+              <a:extLst>
+                <a:ext uri="{FF2B5EF4-FFF2-40B4-BE49-F238E27FC236}">
+                  <a16:creationId xmlns:a16="http://schemas.microsoft.com/office/drawing/2014/main" id="{8E27A01D-2F01-4286-9453-3FBF6E84856E}"/>
+                </a:ext>
+                <a:ext uri="{C183D7F6-B498-43B3-948B-1728B52AA6E4}">
+                  <adec:decorative xmlns:adec="http://schemas.microsoft.com/office/drawing/2017/decorative" val="1"/>
+                </a:ext>
+              </a:extLst>
+            </p:cNvPr>
+            <p:cNvSpPr/>
+            <p:nvPr>
+              <p:extLst>
+                <p:ext uri="{386F3935-93C4-4BCD-93E2-E3B085C9AB24}">
+                  <p16:designElem xmlns:p16="http://schemas.microsoft.com/office/powerpoint/2015/main" val="1"/>
+                </p:ext>
+              </p:extLst>
+            </p:nvPr>
+          </p:nvSpPr>
+          <p:spPr>
+            <a:xfrm>
+              <a:off x="2313318" y="73152"/>
+              <a:ext cx="54368" cy="59227"/>
+            </a:xfrm>
+            <a:prstGeom prst="ellipse">
+              <a:avLst/>
+            </a:prstGeom>
+            <a:solidFill>
+              <a:schemeClr val="bg1"/>
+            </a:solidFill>
+            <a:ln>
+              <a:noFill/>
+            </a:ln>
+          </p:spPr>
+          <p:style>
+            <a:lnRef idx="2">
+              <a:schemeClr val="accent1">
+                <a:shade val="50000"/>
+              </a:schemeClr>
+            </a:lnRef>
+            <a:fillRef idx="1">
+              <a:schemeClr val="accent1"/>
+            </a:fillRef>
+            <a:effectRef idx="0">
+              <a:schemeClr val="accent1"/>
+            </a:effectRef>
+            <a:fontRef idx="minor">
+              <a:schemeClr val="lt1"/>
+            </a:fontRef>
+          </p:style>
+          <p:txBody>
+            <a:bodyPr rtlCol="0" anchor="ctr"/>
+            <a:lstStyle/>
+            <a:p>
+              <a:pPr algn="ctr"/>
+              <a:endParaRPr lang="en-US"/>
+            </a:p>
+          </p:txBody>
+        </p:sp>
+        <p:sp>
+          <p:nvSpPr>
+            <p:cNvPr id="29" name="Rectangle 66">
+              <a:extLst>
+                <a:ext uri="{FF2B5EF4-FFF2-40B4-BE49-F238E27FC236}">
+                  <a16:creationId xmlns:a16="http://schemas.microsoft.com/office/drawing/2014/main" id="{460487A5-12EB-422E-9588-8FF06FAF7391}"/>
+                </a:ext>
+                <a:ext uri="{C183D7F6-B498-43B3-948B-1728B52AA6E4}">
+                  <adec:decorative xmlns:adec="http://schemas.microsoft.com/office/drawing/2017/decorative" val="1"/>
+                </a:ext>
+              </a:extLst>
+            </p:cNvPr>
+            <p:cNvSpPr/>
+            <p:nvPr>
+              <p:extLst>
+                <p:ext uri="{386F3935-93C4-4BCD-93E2-E3B085C9AB24}">
+                  <p16:designElem xmlns:p16="http://schemas.microsoft.com/office/powerpoint/2015/main" val="1"/>
+                </p:ext>
+              </p:extLst>
+            </p:nvPr>
+          </p:nvSpPr>
+          <p:spPr>
+            <a:xfrm>
+              <a:off x="2313318" y="246888"/>
+              <a:ext cx="54368" cy="59227"/>
+            </a:xfrm>
+            <a:prstGeom prst="ellipse">
+              <a:avLst/>
+            </a:prstGeom>
+            <a:solidFill>
+              <a:schemeClr val="bg1"/>
+            </a:solidFill>
+            <a:ln>
+              <a:noFill/>
+            </a:ln>
+          </p:spPr>
+          <p:style>
+            <a:lnRef idx="2">
+              <a:schemeClr val="accent1">
+                <a:shade val="50000"/>
+              </a:schemeClr>
+            </a:lnRef>
+            <a:fillRef idx="1">
+              <a:schemeClr val="accent1"/>
+            </a:fillRef>
+            <a:effectRef idx="0">
+              <a:schemeClr val="accent1"/>
+            </a:effectRef>
+            <a:fontRef idx="minor">
+              <a:schemeClr val="lt1"/>
+            </a:fontRef>
+          </p:style>
+          <p:txBody>
+            <a:bodyPr rtlCol="0" anchor="ctr"/>
+            <a:lstStyle/>
+            <a:p>
+              <a:pPr algn="ctr"/>
+              <a:endParaRPr lang="en-US"/>
+            </a:p>
+          </p:txBody>
+        </p:sp>
+        <p:sp>
+          <p:nvSpPr>
+            <p:cNvPr id="30" name="Rectangle 64">
+              <a:extLst>
+                <a:ext uri="{FF2B5EF4-FFF2-40B4-BE49-F238E27FC236}">
+                  <a16:creationId xmlns:a16="http://schemas.microsoft.com/office/drawing/2014/main" id="{7D522D20-C9F7-4B34-9066-4B43ADAABD4B}"/>
+                </a:ext>
+                <a:ext uri="{C183D7F6-B498-43B3-948B-1728B52AA6E4}">
+                  <adec:decorative xmlns:adec="http://schemas.microsoft.com/office/drawing/2017/decorative" val="1"/>
+                </a:ext>
+              </a:extLst>
+            </p:cNvPr>
+            <p:cNvSpPr/>
+            <p:nvPr>
+              <p:extLst>
+                <p:ext uri="{386F3935-93C4-4BCD-93E2-E3B085C9AB24}">
+                  <p16:designElem xmlns:p16="http://schemas.microsoft.com/office/powerpoint/2015/main" val="1"/>
+                </p:ext>
+              </p:extLst>
+            </p:nvPr>
+          </p:nvSpPr>
+          <p:spPr>
+            <a:xfrm>
+              <a:off x="2188363" y="73152"/>
+              <a:ext cx="54368" cy="59227"/>
+            </a:xfrm>
+            <a:prstGeom prst="ellipse">
+              <a:avLst/>
+            </a:prstGeom>
+            <a:solidFill>
+              <a:schemeClr val="bg1"/>
+            </a:solidFill>
+            <a:ln>
+              <a:noFill/>
+            </a:ln>
+          </p:spPr>
+          <p:style>
+            <a:lnRef idx="2">
+              <a:schemeClr val="accent1">
+                <a:shade val="50000"/>
+              </a:schemeClr>
+            </a:lnRef>
+            <a:fillRef idx="1">
+              <a:schemeClr val="accent1"/>
+            </a:fillRef>
+            <a:effectRef idx="0">
+              <a:schemeClr val="accent1"/>
+            </a:effectRef>
+            <a:fontRef idx="minor">
+              <a:schemeClr val="lt1"/>
+            </a:fontRef>
+          </p:style>
+          <p:txBody>
+            <a:bodyPr rtlCol="0" anchor="ctr"/>
+            <a:lstStyle/>
+            <a:p>
+              <a:pPr algn="ctr"/>
+              <a:endParaRPr lang="en-US"/>
+            </a:p>
+          </p:txBody>
+        </p:sp>
+        <p:sp>
+          <p:nvSpPr>
+            <p:cNvPr id="31" name="Rectangle 66">
+              <a:extLst>
+                <a:ext uri="{FF2B5EF4-FFF2-40B4-BE49-F238E27FC236}">
+                  <a16:creationId xmlns:a16="http://schemas.microsoft.com/office/drawing/2014/main" id="{97B04F2C-295B-447A-8941-0AD4F5551616}"/>
+                </a:ext>
+                <a:ext uri="{C183D7F6-B498-43B3-948B-1728B52AA6E4}">
+                  <adec:decorative xmlns:adec="http://schemas.microsoft.com/office/drawing/2017/decorative" val="1"/>
+                </a:ext>
+              </a:extLst>
+            </p:cNvPr>
+            <p:cNvSpPr/>
+            <p:nvPr>
+              <p:extLst>
+                <p:ext uri="{386F3935-93C4-4BCD-93E2-E3B085C9AB24}">
+                  <p16:designElem xmlns:p16="http://schemas.microsoft.com/office/powerpoint/2015/main" val="1"/>
+                </p:ext>
+              </p:extLst>
+            </p:nvPr>
+          </p:nvSpPr>
+          <p:spPr>
+            <a:xfrm>
+              <a:off x="2188363" y="246888"/>
+              <a:ext cx="54368" cy="59227"/>
+            </a:xfrm>
+            <a:prstGeom prst="ellipse">
+              <a:avLst/>
+            </a:prstGeom>
+            <a:solidFill>
+              <a:schemeClr val="bg1"/>
+            </a:solidFill>
+            <a:ln>
+              <a:noFill/>
+            </a:ln>
+          </p:spPr>
+          <p:style>
+            <a:lnRef idx="2">
+              <a:schemeClr val="accent1">
+                <a:shade val="50000"/>
+              </a:schemeClr>
+            </a:lnRef>
+            <a:fillRef idx="1">
+              <a:schemeClr val="accent1"/>
+            </a:fillRef>
+            <a:effectRef idx="0">
+              <a:schemeClr val="accent1"/>
+            </a:effectRef>
+            <a:fontRef idx="minor">
+              <a:schemeClr val="lt1"/>
+            </a:fontRef>
+          </p:style>
+          <p:txBody>
+            <a:bodyPr rtlCol="0" anchor="ctr"/>
+            <a:lstStyle/>
+            <a:p>
+              <a:pPr algn="ctr"/>
+              <a:endParaRPr lang="en-US"/>
+            </a:p>
+          </p:txBody>
+        </p:sp>
+        <p:sp>
+          <p:nvSpPr>
+            <p:cNvPr id="32" name="Rectangle 64">
+              <a:extLst>
+                <a:ext uri="{FF2B5EF4-FFF2-40B4-BE49-F238E27FC236}">
+                  <a16:creationId xmlns:a16="http://schemas.microsoft.com/office/drawing/2014/main" id="{17D7FF91-B366-4534-B9B4-5710926EE7C6}"/>
+                </a:ext>
+                <a:ext uri="{C183D7F6-B498-43B3-948B-1728B52AA6E4}">
+                  <adec:decorative xmlns:adec="http://schemas.microsoft.com/office/drawing/2017/decorative" val="1"/>
+                </a:ext>
+              </a:extLst>
+            </p:cNvPr>
+            <p:cNvSpPr/>
+            <p:nvPr>
+              <p:extLst>
+                <p:ext uri="{386F3935-93C4-4BCD-93E2-E3B085C9AB24}">
+                  <p16:designElem xmlns:p16="http://schemas.microsoft.com/office/powerpoint/2015/main" val="1"/>
+                </p:ext>
+              </p:extLst>
+            </p:nvPr>
+          </p:nvSpPr>
+          <p:spPr>
+            <a:xfrm>
+              <a:off x="2063408" y="73152"/>
+              <a:ext cx="54368" cy="59227"/>
+            </a:xfrm>
+            <a:prstGeom prst="ellipse">
+              <a:avLst/>
+            </a:prstGeom>
+            <a:solidFill>
+              <a:schemeClr val="bg1"/>
+            </a:solidFill>
+            <a:ln>
+              <a:noFill/>
+            </a:ln>
+          </p:spPr>
+          <p:style>
+            <a:lnRef idx="2">
+              <a:schemeClr val="accent1">
+                <a:shade val="50000"/>
+              </a:schemeClr>
+            </a:lnRef>
+            <a:fillRef idx="1">
+              <a:schemeClr val="accent1"/>
+            </a:fillRef>
+            <a:effectRef idx="0">
+              <a:schemeClr val="accent1"/>
+            </a:effectRef>
+            <a:fontRef idx="minor">
+              <a:schemeClr val="lt1"/>
+            </a:fontRef>
+          </p:style>
+          <p:txBody>
+            <a:bodyPr rtlCol="0" anchor="ctr"/>
+            <a:lstStyle/>
+            <a:p>
+              <a:pPr algn="ctr"/>
+              <a:endParaRPr lang="en-US"/>
+            </a:p>
+          </p:txBody>
+        </p:sp>
+        <p:sp>
+          <p:nvSpPr>
+            <p:cNvPr id="33" name="Rectangle 66">
+              <a:extLst>
+                <a:ext uri="{FF2B5EF4-FFF2-40B4-BE49-F238E27FC236}">
+                  <a16:creationId xmlns:a16="http://schemas.microsoft.com/office/drawing/2014/main" id="{B5B8116C-ADD9-4826-9C37-270377E8FF45}"/>
+                </a:ext>
+                <a:ext uri="{C183D7F6-B498-43B3-948B-1728B52AA6E4}">
+                  <adec:decorative xmlns:adec="http://schemas.microsoft.com/office/drawing/2017/decorative" val="1"/>
+                </a:ext>
+              </a:extLst>
+            </p:cNvPr>
+            <p:cNvSpPr/>
+            <p:nvPr>
+              <p:extLst>
+                <p:ext uri="{386F3935-93C4-4BCD-93E2-E3B085C9AB24}">
+                  <p16:designElem xmlns:p16="http://schemas.microsoft.com/office/powerpoint/2015/main" val="1"/>
+                </p:ext>
+              </p:extLst>
+            </p:nvPr>
+          </p:nvSpPr>
+          <p:spPr>
+            <a:xfrm>
+              <a:off x="2063408" y="246888"/>
+              <a:ext cx="54368" cy="59227"/>
+            </a:xfrm>
+            <a:prstGeom prst="ellipse">
+              <a:avLst/>
+            </a:prstGeom>
+            <a:solidFill>
+              <a:schemeClr val="bg1"/>
+            </a:solidFill>
+            <a:ln>
+              <a:noFill/>
+            </a:ln>
+          </p:spPr>
+          <p:style>
+            <a:lnRef idx="2">
+              <a:schemeClr val="accent1">
+                <a:shade val="50000"/>
+              </a:schemeClr>
+            </a:lnRef>
+            <a:fillRef idx="1">
+              <a:schemeClr val="accent1"/>
+            </a:fillRef>
+            <a:effectRef idx="0">
+              <a:schemeClr val="accent1"/>
+            </a:effectRef>
+            <a:fontRef idx="minor">
+              <a:schemeClr val="lt1"/>
+            </a:fontRef>
+          </p:style>
+          <p:txBody>
+            <a:bodyPr rtlCol="0" anchor="ctr"/>
+            <a:lstStyle/>
+            <a:p>
+              <a:pPr algn="ctr"/>
+              <a:endParaRPr lang="en-US"/>
+            </a:p>
+          </p:txBody>
+        </p:sp>
+        <p:sp>
+          <p:nvSpPr>
+            <p:cNvPr id="34" name="Rectangle 64">
+              <a:extLst>
+                <a:ext uri="{FF2B5EF4-FFF2-40B4-BE49-F238E27FC236}">
+                  <a16:creationId xmlns:a16="http://schemas.microsoft.com/office/drawing/2014/main" id="{22D01D96-8DB8-40BF-83AC-4CA49EC2639D}"/>
+                </a:ext>
+                <a:ext uri="{C183D7F6-B498-43B3-948B-1728B52AA6E4}">
+                  <adec:decorative xmlns:adec="http://schemas.microsoft.com/office/drawing/2017/decorative" val="1"/>
+                </a:ext>
+              </a:extLst>
+            </p:cNvPr>
+            <p:cNvSpPr/>
+            <p:nvPr>
+              <p:extLst>
+                <p:ext uri="{386F3935-93C4-4BCD-93E2-E3B085C9AB24}">
+                  <p16:designElem xmlns:p16="http://schemas.microsoft.com/office/powerpoint/2015/main" val="1"/>
+                </p:ext>
+              </p:extLst>
+            </p:nvPr>
+          </p:nvSpPr>
+          <p:spPr>
+            <a:xfrm>
+              <a:off x="1938452" y="73152"/>
+              <a:ext cx="54368" cy="59227"/>
+            </a:xfrm>
+            <a:prstGeom prst="ellipse">
+              <a:avLst/>
+            </a:prstGeom>
+            <a:solidFill>
+              <a:schemeClr val="bg1"/>
+            </a:solidFill>
+            <a:ln>
+              <a:noFill/>
+            </a:ln>
+          </p:spPr>
+          <p:style>
+            <a:lnRef idx="2">
+              <a:schemeClr val="accent1">
+                <a:shade val="50000"/>
+              </a:schemeClr>
+            </a:lnRef>
+            <a:fillRef idx="1">
+              <a:schemeClr val="accent1"/>
+            </a:fillRef>
+            <a:effectRef idx="0">
+              <a:schemeClr val="accent1"/>
+            </a:effectRef>
+            <a:fontRef idx="minor">
+              <a:schemeClr val="lt1"/>
+            </a:fontRef>
+          </p:style>
+          <p:txBody>
+            <a:bodyPr rtlCol="0" anchor="ctr"/>
+            <a:lstStyle/>
+            <a:p>
+              <a:pPr algn="ctr"/>
+              <a:endParaRPr lang="en-US"/>
+            </a:p>
+          </p:txBody>
+        </p:sp>
+        <p:sp>
+          <p:nvSpPr>
+            <p:cNvPr id="35" name="Rectangle 66">
+              <a:extLst>
+                <a:ext uri="{FF2B5EF4-FFF2-40B4-BE49-F238E27FC236}">
+                  <a16:creationId xmlns:a16="http://schemas.microsoft.com/office/drawing/2014/main" id="{44B584CD-5E60-4B15-847C-B30D15DA1A42}"/>
+                </a:ext>
+                <a:ext uri="{C183D7F6-B498-43B3-948B-1728B52AA6E4}">
+                  <adec:decorative xmlns:adec="http://schemas.microsoft.com/office/drawing/2017/decorative" val="1"/>
+                </a:ext>
+              </a:extLst>
+            </p:cNvPr>
+            <p:cNvSpPr/>
+            <p:nvPr>
+              <p:extLst>
+                <p:ext uri="{386F3935-93C4-4BCD-93E2-E3B085C9AB24}">
+                  <p16:designElem xmlns:p16="http://schemas.microsoft.com/office/powerpoint/2015/main" val="1"/>
+                </p:ext>
+              </p:extLst>
+            </p:nvPr>
+          </p:nvSpPr>
+          <p:spPr>
+            <a:xfrm>
+              <a:off x="1938452" y="246888"/>
+              <a:ext cx="54368" cy="59227"/>
+            </a:xfrm>
+            <a:prstGeom prst="ellipse">
+              <a:avLst/>
+            </a:prstGeom>
+            <a:solidFill>
+              <a:schemeClr val="bg1"/>
+            </a:solidFill>
+            <a:ln>
+              <a:noFill/>
+            </a:ln>
+          </p:spPr>
+          <p:style>
+            <a:lnRef idx="2">
+              <a:schemeClr val="accent1">
+                <a:shade val="50000"/>
+              </a:schemeClr>
+            </a:lnRef>
+            <a:fillRef idx="1">
+              <a:schemeClr val="accent1"/>
+            </a:fillRef>
+            <a:effectRef idx="0">
+              <a:schemeClr val="accent1"/>
+            </a:effectRef>
+            <a:fontRef idx="minor">
+              <a:schemeClr val="lt1"/>
+            </a:fontRef>
+          </p:style>
+          <p:txBody>
+            <a:bodyPr rtlCol="0" anchor="ctr"/>
+            <a:lstStyle/>
+            <a:p>
+              <a:pPr algn="ctr"/>
+              <a:endParaRPr lang="en-US"/>
+            </a:p>
+          </p:txBody>
+        </p:sp>
+        <p:sp>
+          <p:nvSpPr>
+            <p:cNvPr id="36" name="Rectangle 64">
+              <a:extLst>
+                <a:ext uri="{FF2B5EF4-FFF2-40B4-BE49-F238E27FC236}">
+                  <a16:creationId xmlns:a16="http://schemas.microsoft.com/office/drawing/2014/main" id="{CF2BB7DC-B968-4F0B-9748-BF0E6E297C28}"/>
+                </a:ext>
+                <a:ext uri="{C183D7F6-B498-43B3-948B-1728B52AA6E4}">
+                  <adec:decorative xmlns:adec="http://schemas.microsoft.com/office/drawing/2017/decorative" val="1"/>
+                </a:ext>
+              </a:extLst>
+            </p:cNvPr>
+            <p:cNvSpPr/>
+            <p:nvPr>
+              <p:extLst>
+                <p:ext uri="{386F3935-93C4-4BCD-93E2-E3B085C9AB24}">
+                  <p16:designElem xmlns:p16="http://schemas.microsoft.com/office/powerpoint/2015/main" val="1"/>
+                </p:ext>
+              </p:extLst>
+            </p:nvPr>
+          </p:nvSpPr>
+          <p:spPr>
+            <a:xfrm>
+              <a:off x="1813497" y="73152"/>
+              <a:ext cx="54368" cy="59227"/>
+            </a:xfrm>
+            <a:prstGeom prst="ellipse">
+              <a:avLst/>
+            </a:prstGeom>
+            <a:solidFill>
+              <a:schemeClr val="bg1"/>
+            </a:solidFill>
+            <a:ln>
+              <a:noFill/>
+            </a:ln>
+          </p:spPr>
+          <p:style>
+            <a:lnRef idx="2">
+              <a:schemeClr val="accent1">
+                <a:shade val="50000"/>
+              </a:schemeClr>
+            </a:lnRef>
+            <a:fillRef idx="1">
+              <a:schemeClr val="accent1"/>
+            </a:fillRef>
+            <a:effectRef idx="0">
+              <a:schemeClr val="accent1"/>
+            </a:effectRef>
+            <a:fontRef idx="minor">
+              <a:schemeClr val="lt1"/>
+            </a:fontRef>
+          </p:style>
+          <p:txBody>
+            <a:bodyPr rtlCol="0" anchor="ctr"/>
+            <a:lstStyle/>
+            <a:p>
+              <a:pPr algn="ctr"/>
+              <a:endParaRPr lang="en-US"/>
+            </a:p>
+          </p:txBody>
+        </p:sp>
+        <p:sp>
+          <p:nvSpPr>
+            <p:cNvPr id="37" name="Rectangle 66">
+              <a:extLst>
+                <a:ext uri="{FF2B5EF4-FFF2-40B4-BE49-F238E27FC236}">
+                  <a16:creationId xmlns:a16="http://schemas.microsoft.com/office/drawing/2014/main" id="{CF12C159-3F09-4861-9450-ECD5DB31009D}"/>
+                </a:ext>
+                <a:ext uri="{C183D7F6-B498-43B3-948B-1728B52AA6E4}">
+                  <adec:decorative xmlns:adec="http://schemas.microsoft.com/office/drawing/2017/decorative" val="1"/>
+                </a:ext>
+              </a:extLst>
+            </p:cNvPr>
+            <p:cNvSpPr/>
+            <p:nvPr>
+              <p:extLst>
+                <p:ext uri="{386F3935-93C4-4BCD-93E2-E3B085C9AB24}">
+                  <p16:designElem xmlns:p16="http://schemas.microsoft.com/office/powerpoint/2015/main" val="1"/>
+                </p:ext>
+              </p:extLst>
+            </p:nvPr>
+          </p:nvSpPr>
+          <p:spPr>
+            <a:xfrm>
+              <a:off x="1813497" y="246888"/>
+              <a:ext cx="54368" cy="59227"/>
+            </a:xfrm>
+            <a:prstGeom prst="ellipse">
+              <a:avLst/>
+            </a:prstGeom>
+            <a:solidFill>
+              <a:schemeClr val="bg1"/>
+            </a:solidFill>
+            <a:ln>
+              <a:noFill/>
+            </a:ln>
+          </p:spPr>
+          <p:style>
+            <a:lnRef idx="2">
+              <a:schemeClr val="accent1">
+                <a:shade val="50000"/>
+              </a:schemeClr>
+            </a:lnRef>
+            <a:fillRef idx="1">
+              <a:schemeClr val="accent1"/>
+            </a:fillRef>
+            <a:effectRef idx="0">
+              <a:schemeClr val="accent1"/>
+            </a:effectRef>
+            <a:fontRef idx="minor">
+              <a:schemeClr val="lt1"/>
+            </a:fontRef>
+          </p:style>
+          <p:txBody>
+            <a:bodyPr rtlCol="0" anchor="ctr"/>
+            <a:lstStyle/>
+            <a:p>
+              <a:pPr algn="ctr"/>
+              <a:endParaRPr lang="en-US"/>
+            </a:p>
+          </p:txBody>
+        </p:sp>
+      </p:grpSp>
+      <p:sp>
+        <p:nvSpPr>
+          <p:cNvPr id="14" name="Rectangle 38">
+            <a:extLst>
+              <a:ext uri="{FF2B5EF4-FFF2-40B4-BE49-F238E27FC236}">
+                <a16:creationId xmlns:a16="http://schemas.microsoft.com/office/drawing/2014/main" id="{D9F5512A-48E1-4C07-B75E-3CCC517B6804}"/>
+              </a:ext>
+              <a:ext uri="{C183D7F6-B498-43B3-948B-1728B52AA6E4}">
+                <adec:decorative xmlns:adec="http://schemas.microsoft.com/office/drawing/2017/decorative" val="1"/>
+              </a:ext>
+            </a:extLst>
+          </p:cNvPr>
+          <p:cNvSpPr>
+            <a:spLocks noGrp="1" noRot="1" noChangeAspect="1" noMove="1" noResize="1" noEditPoints="1" noAdjustHandles="1" noChangeArrowheads="1" noChangeShapeType="1" noTextEdit="1"/>
+          </p:cNvSpPr>
+          <p:nvPr>
+            <p:extLst>
+              <p:ext uri="{386F3935-93C4-4BCD-93E2-E3B085C9AB24}">
+                <p16:designElem xmlns:p16="http://schemas.microsoft.com/office/powerpoint/2015/main" val="1"/>
+              </p:ext>
+            </p:extLst>
+          </p:nvPr>
+        </p:nvSpPr>
+        <p:spPr>
+          <a:xfrm>
+            <a:off x="-1" y="3233984"/>
+            <a:ext cx="606972" cy="3624015"/>
+          </a:xfrm>
+          <a:prstGeom prst="rect">
+            <a:avLst/>
+          </a:prstGeom>
+          <a:solidFill>
+            <a:schemeClr val="accent1"/>
+          </a:solidFill>
+          <a:ln>
+            <a:noFill/>
+          </a:ln>
+        </p:spPr>
+        <p:style>
+          <a:lnRef idx="2">
+            <a:schemeClr val="accent1">
+              <a:shade val="50000"/>
+            </a:schemeClr>
+          </a:lnRef>
+          <a:fillRef idx="1">
+            <a:schemeClr val="accent1"/>
+          </a:fillRef>
+          <a:effectRef idx="0">
+            <a:schemeClr val="accent1"/>
+          </a:effectRef>
+          <a:fontRef idx="minor">
+            <a:schemeClr val="lt1"/>
+          </a:fontRef>
+        </p:style>
+        <p:txBody>
+          <a:bodyPr rtlCol="0" anchor="ctr"/>
+          <a:lstStyle/>
+          <a:p>
+            <a:pPr algn="ctr"/>
+            <a:endParaRPr lang="en-US"/>
+          </a:p>
+        </p:txBody>
+      </p:sp>
+      <p:sp>
+        <p:nvSpPr>
+          <p:cNvPr id="4" name="Text Placeholder 3">
+            <a:extLst>
+              <a:ext uri="{FF2B5EF4-FFF2-40B4-BE49-F238E27FC236}">
+                <a16:creationId xmlns:a16="http://schemas.microsoft.com/office/drawing/2014/main" id="{4CB2ACE4-993C-4866-BA79-4B9AFB8204F0}"/>
+              </a:ext>
+            </a:extLst>
+          </p:cNvPr>
+          <p:cNvSpPr>
+            <a:spLocks noGrp="1"/>
+          </p:cNvSpPr>
+          <p:nvPr>
+            <p:ph type="body" sz="half" idx="2"/>
+          </p:nvPr>
+        </p:nvSpPr>
+        <p:spPr>
+          <a:xfrm>
+            <a:off x="1166649" y="3379979"/>
+            <a:ext cx="3874685" cy="3186359"/>
+          </a:xfrm>
+        </p:spPr>
+        <p:txBody>
+          <a:bodyPr vert="horz" lIns="91440" tIns="45720" rIns="91440" bIns="45720" rtlCol="0" anchor="ctr">
+            <a:normAutofit/>
+          </a:bodyPr>
+          <a:lstStyle/>
+          <a:p>
+            <a:pPr marL="285750" indent="-228600">
+              <a:buFont typeface="Arial" panose="020B0604020202020204" pitchFamily="34" charset="0"/>
+              <a:buChar char="•"/>
+            </a:pPr>
+            <a:r>
+              <a:rPr lang="en-US" sz="1800" dirty="0">
+                <a:solidFill>
+                  <a:schemeClr val="bg1"/>
+                </a:solidFill>
+              </a:rPr>
+              <a:t>A defensible space is an area around a building in which vegetation, debris, and other types of combustible fuels have been treated, cleared, or reduced to slow the spread of fire to and from the building</a:t>
+            </a:r>
+          </a:p>
+          <a:p>
+            <a:pPr marL="285750" indent="-228600">
+              <a:buFont typeface="Arial" panose="020B0604020202020204" pitchFamily="34" charset="0"/>
+              <a:buChar char="•"/>
+            </a:pPr>
+            <a:r>
+              <a:rPr lang="en-US" sz="1800" dirty="0">
+                <a:solidFill>
+                  <a:schemeClr val="bg1"/>
+                </a:solidFill>
+              </a:rPr>
+              <a:t>Can be measured via imaging</a:t>
+            </a:r>
+          </a:p>
+        </p:txBody>
+      </p:sp>
+    </p:spTree>
+    <p:extLst>
+      <p:ext uri="{BB962C8B-B14F-4D97-AF65-F5344CB8AC3E}">
+        <p14:creationId xmlns:p14="http://schemas.microsoft.com/office/powerpoint/2010/main" val="2762500892"/>
+      </p:ext>
+    </p:extLst>
+  </p:cSld>
+  <p:clrMapOvr>
+    <a:masterClrMapping/>
+  </p:clrMapOvr>
+</p:sld>
+</file>
+
+<file path=ppt/slides/slide7.xml><?xml version="1.0" encoding="utf-8"?>
+<p:sld xmlns:a="http://schemas.openxmlformats.org/drawingml/2006/main" xmlns:r="http://schemas.openxmlformats.org/officeDocument/2006/relationships" xmlns:p="http://schemas.openxmlformats.org/presentationml/2006/main">
+  <p:cSld>
+    <p:spTree>
+      <p:nvGrpSpPr>
+        <p:cNvPr id="1" name=""/>
+        <p:cNvGrpSpPr/>
+        <p:nvPr/>
+      </p:nvGrpSpPr>
+      <p:grpSpPr>
+        <a:xfrm>
+          <a:off x="0" y="0"/>
+          <a:ext cx="0" cy="0"/>
+          <a:chOff x="0" y="0"/>
+          <a:chExt cx="0" cy="0"/>
+        </a:xfrm>
+      </p:grpSpPr>
+      <p:sp>
+        <p:nvSpPr>
+          <p:cNvPr id="5" name="Title 4">
+            <a:extLst>
+              <a:ext uri="{FF2B5EF4-FFF2-40B4-BE49-F238E27FC236}">
+                <a16:creationId xmlns:a16="http://schemas.microsoft.com/office/drawing/2014/main" id="{DA03D280-DF2F-4B02-963D-57AC53946591}"/>
+              </a:ext>
+            </a:extLst>
+          </p:cNvPr>
+          <p:cNvSpPr>
+            <a:spLocks noGrp="1"/>
+          </p:cNvSpPr>
+          <p:nvPr>
+            <p:ph type="title"/>
+          </p:nvPr>
+        </p:nvSpPr>
+        <p:spPr/>
+        <p:txBody>
+          <a:bodyPr/>
+          <a:lstStyle/>
+          <a:p>
+            <a:r>
+              <a:rPr lang="en-US" dirty="0"/>
               <a:t>Sources</a:t>
             </a:r>
           </a:p>
@@ -4460,7 +7808,12 @@
             <p:ph idx="1"/>
           </p:nvPr>
         </p:nvSpPr>
-        <p:spPr/>
+        <p:spPr>
+          <a:xfrm>
+            <a:off x="838200" y="1825625"/>
+            <a:ext cx="10515600" cy="4912526"/>
+          </a:xfrm>
+        </p:spPr>
         <p:txBody>
           <a:bodyPr/>
           <a:lstStyle/>
@@ -4713,6 +8066,111 @@
               </a:rPr>
               <a:t>https://twitter.com/cstats1/status/1326571601765216257</a:t>
             </a:r>
+            <a:endParaRPr lang="en-US" sz="1800" u="sng" dirty="0">
+              <a:solidFill>
+                <a:srgbClr val="0563C1"/>
+              </a:solidFill>
+              <a:effectLst/>
+              <a:latin typeface="Calibri" panose="020F0502020204030204" pitchFamily="34" charset="0"/>
+              <a:ea typeface="Calibri" panose="020F0502020204030204" pitchFamily="34" charset="0"/>
+              <a:cs typeface="Times New Roman" panose="02020603050405020304" pitchFamily="18" charset="0"/>
+            </a:endParaRPr>
+          </a:p>
+          <a:p>
+            <a:pPr marL="0" marR="0" indent="457200">
+              <a:lnSpc>
+                <a:spcPct val="107000"/>
+              </a:lnSpc>
+              <a:spcBef>
+                <a:spcPts val="0"/>
+              </a:spcBef>
+              <a:spcAft>
+                <a:spcPts val="800"/>
+              </a:spcAft>
+            </a:pPr>
+            <a:r>
+              <a:rPr lang="en-US" sz="1800" dirty="0">
+                <a:effectLst/>
+                <a:latin typeface="Calibri" panose="020F0502020204030204" pitchFamily="34" charset="0"/>
+                <a:ea typeface="Calibri" panose="020F0502020204030204" pitchFamily="34" charset="0"/>
+                <a:cs typeface="Times New Roman" panose="02020603050405020304" pitchFamily="18" charset="0"/>
+                <a:hlinkClick r:id="rId10"/>
+              </a:rPr>
+              <a:t>https://www.fema.gov/media-library-data/20130726-1728-25045-1351/home_builders_guide_to_construction_in_wildfire_zones.pdf</a:t>
+            </a:r>
+            <a:endParaRPr lang="en-US" sz="1800" dirty="0">
+              <a:effectLst/>
+              <a:latin typeface="Calibri" panose="020F0502020204030204" pitchFamily="34" charset="0"/>
+              <a:ea typeface="Calibri" panose="020F0502020204030204" pitchFamily="34" charset="0"/>
+              <a:cs typeface="Times New Roman" panose="02020603050405020304" pitchFamily="18" charset="0"/>
+            </a:endParaRPr>
+          </a:p>
+          <a:p>
+            <a:pPr marL="0" marR="0" indent="457200">
+              <a:lnSpc>
+                <a:spcPct val="107000"/>
+              </a:lnSpc>
+              <a:spcBef>
+                <a:spcPts val="0"/>
+              </a:spcBef>
+              <a:spcAft>
+                <a:spcPts val="800"/>
+              </a:spcAft>
+            </a:pPr>
+            <a:r>
+              <a:rPr lang="en-US" sz="1800" u="sng" dirty="0">
+                <a:solidFill>
+                  <a:srgbClr val="0563C1"/>
+                </a:solidFill>
+                <a:latin typeface="Calibri" panose="020F0502020204030204" pitchFamily="34" charset="0"/>
+                <a:ea typeface="Calibri" panose="020F0502020204030204" pitchFamily="34" charset="0"/>
+                <a:cs typeface="Times New Roman" panose="02020603050405020304" pitchFamily="18" charset="0"/>
+                <a:hlinkClick r:id="rId11"/>
+              </a:rPr>
+              <a:t>https://www.remodeling.hw.net/business/construction/wildfire-resistance-focus-on-the-roof-edge_o</a:t>
+            </a:r>
+            <a:endParaRPr lang="en-US" sz="1800" u="sng" dirty="0">
+              <a:solidFill>
+                <a:srgbClr val="0563C1"/>
+              </a:solidFill>
+              <a:latin typeface="Calibri" panose="020F0502020204030204" pitchFamily="34" charset="0"/>
+              <a:ea typeface="Calibri" panose="020F0502020204030204" pitchFamily="34" charset="0"/>
+              <a:cs typeface="Times New Roman" panose="02020603050405020304" pitchFamily="18" charset="0"/>
+            </a:endParaRPr>
+          </a:p>
+          <a:p>
+            <a:pPr marL="0" marR="0" indent="457200">
+              <a:lnSpc>
+                <a:spcPct val="107000"/>
+              </a:lnSpc>
+              <a:spcBef>
+                <a:spcPts val="0"/>
+              </a:spcBef>
+              <a:spcAft>
+                <a:spcPts val="800"/>
+              </a:spcAft>
+            </a:pPr>
+            <a:endParaRPr lang="en-US" sz="1800" u="sng" dirty="0">
+              <a:solidFill>
+                <a:srgbClr val="0563C1"/>
+              </a:solidFill>
+              <a:latin typeface="Calibri" panose="020F0502020204030204" pitchFamily="34" charset="0"/>
+              <a:ea typeface="Calibri" panose="020F0502020204030204" pitchFamily="34" charset="0"/>
+              <a:cs typeface="Times New Roman" panose="02020603050405020304" pitchFamily="18" charset="0"/>
+            </a:endParaRPr>
+          </a:p>
+          <a:p>
+            <a:pPr marL="0" marR="0" indent="457200">
+              <a:lnSpc>
+                <a:spcPct val="107000"/>
+              </a:lnSpc>
+              <a:spcBef>
+                <a:spcPts val="0"/>
+              </a:spcBef>
+              <a:spcAft>
+                <a:spcPts val="800"/>
+              </a:spcAft>
+            </a:pPr>
             <a:endParaRPr lang="en-US" sz="1800" dirty="0">
               <a:effectLst/>
               <a:latin typeface="Calibri" panose="020F0502020204030204" pitchFamily="34" charset="0"/>
